--- a/NewtonERP/Documentation/BeeERP_presentation.pptx
+++ b/NewtonERP/Documentation/BeeERP_presentation.pptx
@@ -4,6 +4,9 @@
   <p:sldMasterIdLst>
     <p:sldMasterId id="2147483660" r:id="rId1"/>
   </p:sldMasterIdLst>
+  <p:notesMasterIdLst>
+    <p:notesMasterId r:id="rId15"/>
+  </p:notesMasterIdLst>
   <p:sldIdLst>
     <p:sldId id="256" r:id="rId2"/>
     <p:sldId id="257" r:id="rId3"/>
@@ -119,6 +122,434 @@
 </p:presentation>
 </file>
 
+<file path=ppt/notesMasters/notesMaster1.xml><?xml version="1.0" encoding="utf-8"?>
+<p:notesMaster xmlns:a="http://schemas.openxmlformats.org/drawingml/2006/main" xmlns:r="http://schemas.openxmlformats.org/officeDocument/2006/relationships" xmlns:p="http://schemas.openxmlformats.org/presentationml/2006/main">
+  <p:cSld>
+    <p:bg>
+      <p:bgRef idx="1001">
+        <a:schemeClr val="bg1"/>
+      </p:bgRef>
+    </p:bg>
+    <p:spTree>
+      <p:nvGrpSpPr>
+        <p:cNvPr id="1" name=""/>
+        <p:cNvGrpSpPr/>
+        <p:nvPr/>
+      </p:nvGrpSpPr>
+      <p:grpSpPr>
+        <a:xfrm>
+          <a:off x="0" y="0"/>
+          <a:ext cx="0" cy="0"/>
+          <a:chOff x="0" y="0"/>
+          <a:chExt cx="0" cy="0"/>
+        </a:xfrm>
+      </p:grpSpPr>
+      <p:sp>
+        <p:nvSpPr>
+          <p:cNvPr id="2" name="Espace réservé de l'en-tête 1"/>
+          <p:cNvSpPr>
+            <a:spLocks noGrp="1"/>
+          </p:cNvSpPr>
+          <p:nvPr>
+            <p:ph type="hdr" sz="quarter"/>
+          </p:nvPr>
+        </p:nvSpPr>
+        <p:spPr>
+          <a:xfrm>
+            <a:off x="0" y="0"/>
+            <a:ext cx="2971800" cy="457200"/>
+          </a:xfrm>
+          <a:prstGeom prst="rect">
+            <a:avLst/>
+          </a:prstGeom>
+        </p:spPr>
+        <p:txBody>
+          <a:bodyPr vert="horz" lIns="91440" tIns="45720" rIns="91440" bIns="45720" rtlCol="0"/>
+          <a:lstStyle>
+            <a:lvl1pPr algn="l">
+              <a:defRPr sz="1200"/>
+            </a:lvl1pPr>
+          </a:lstStyle>
+          <a:p>
+            <a:endParaRPr lang="fr-CA"/>
+          </a:p>
+        </p:txBody>
+      </p:sp>
+      <p:sp>
+        <p:nvSpPr>
+          <p:cNvPr id="3" name="Espace réservé de la date 2"/>
+          <p:cNvSpPr>
+            <a:spLocks noGrp="1"/>
+          </p:cNvSpPr>
+          <p:nvPr>
+            <p:ph type="dt" idx="1"/>
+          </p:nvPr>
+        </p:nvSpPr>
+        <p:spPr>
+          <a:xfrm>
+            <a:off x="3884613" y="0"/>
+            <a:ext cx="2971800" cy="457200"/>
+          </a:xfrm>
+          <a:prstGeom prst="rect">
+            <a:avLst/>
+          </a:prstGeom>
+        </p:spPr>
+        <p:txBody>
+          <a:bodyPr vert="horz" lIns="91440" tIns="45720" rIns="91440" bIns="45720" rtlCol="0"/>
+          <a:lstStyle>
+            <a:lvl1pPr algn="r">
+              <a:defRPr sz="1200"/>
+            </a:lvl1pPr>
+          </a:lstStyle>
+          <a:p>
+            <a:fld id="{B11D08F8-5445-462B-9FD3-ACD73402E53B}" type="datetimeFigureOut">
+              <a:rPr lang="fr-FR" smtClean="0"/>
+              <a:t>10/12/2009</a:t>
+            </a:fld>
+            <a:endParaRPr lang="fr-CA"/>
+          </a:p>
+        </p:txBody>
+      </p:sp>
+      <p:sp>
+        <p:nvSpPr>
+          <p:cNvPr id="4" name="Espace réservé de l'image des diapositives 3"/>
+          <p:cNvSpPr>
+            <a:spLocks noGrp="1" noRot="1" noChangeAspect="1"/>
+          </p:cNvSpPr>
+          <p:nvPr>
+            <p:ph type="sldImg" idx="2"/>
+          </p:nvPr>
+        </p:nvSpPr>
+        <p:spPr>
+          <a:xfrm>
+            <a:off x="1143000" y="685800"/>
+            <a:ext cx="4572000" cy="3429000"/>
+          </a:xfrm>
+          <a:prstGeom prst="rect">
+            <a:avLst/>
+          </a:prstGeom>
+          <a:noFill/>
+          <a:ln w="12700">
+            <a:solidFill>
+              <a:prstClr val="black"/>
+            </a:solidFill>
+          </a:ln>
+        </p:spPr>
+        <p:txBody>
+          <a:bodyPr vert="horz" lIns="91440" tIns="45720" rIns="91440" bIns="45720" rtlCol="0" anchor="ctr"/>
+          <a:lstStyle/>
+          <a:p>
+            <a:endParaRPr lang="fr-CA"/>
+          </a:p>
+        </p:txBody>
+      </p:sp>
+      <p:sp>
+        <p:nvSpPr>
+          <p:cNvPr id="5" name="Espace réservé des commentaires 4"/>
+          <p:cNvSpPr>
+            <a:spLocks noGrp="1"/>
+          </p:cNvSpPr>
+          <p:nvPr>
+            <p:ph type="body" sz="quarter" idx="3"/>
+          </p:nvPr>
+        </p:nvSpPr>
+        <p:spPr>
+          <a:xfrm>
+            <a:off x="685800" y="4343400"/>
+            <a:ext cx="5486400" cy="4114800"/>
+          </a:xfrm>
+          <a:prstGeom prst="rect">
+            <a:avLst/>
+          </a:prstGeom>
+        </p:spPr>
+        <p:txBody>
+          <a:bodyPr vert="horz" lIns="91440" tIns="45720" rIns="91440" bIns="45720" rtlCol="0">
+            <a:normAutofit/>
+          </a:bodyPr>
+          <a:lstStyle/>
+          <a:p>
+            <a:pPr lvl="0"/>
+            <a:r>
+              <a:rPr lang="fr-FR" smtClean="0"/>
+              <a:t>Cliquez pour modifier les styles du texte du masque</a:t>
+            </a:r>
+          </a:p>
+          <a:p>
+            <a:pPr lvl="1"/>
+            <a:r>
+              <a:rPr lang="fr-FR" smtClean="0"/>
+              <a:t>Deuxième niveau</a:t>
+            </a:r>
+          </a:p>
+          <a:p>
+            <a:pPr lvl="2"/>
+            <a:r>
+              <a:rPr lang="fr-FR" smtClean="0"/>
+              <a:t>Troisième niveau</a:t>
+            </a:r>
+          </a:p>
+          <a:p>
+            <a:pPr lvl="3"/>
+            <a:r>
+              <a:rPr lang="fr-FR" smtClean="0"/>
+              <a:t>Quatrième niveau</a:t>
+            </a:r>
+          </a:p>
+          <a:p>
+            <a:pPr lvl="4"/>
+            <a:r>
+              <a:rPr lang="fr-FR" smtClean="0"/>
+              <a:t>Cinquième niveau</a:t>
+            </a:r>
+            <a:endParaRPr lang="fr-CA"/>
+          </a:p>
+        </p:txBody>
+      </p:sp>
+      <p:sp>
+        <p:nvSpPr>
+          <p:cNvPr id="6" name="Espace réservé du pied de page 5"/>
+          <p:cNvSpPr>
+            <a:spLocks noGrp="1"/>
+          </p:cNvSpPr>
+          <p:nvPr>
+            <p:ph type="ftr" sz="quarter" idx="4"/>
+          </p:nvPr>
+        </p:nvSpPr>
+        <p:spPr>
+          <a:xfrm>
+            <a:off x="0" y="8685213"/>
+            <a:ext cx="2971800" cy="457200"/>
+          </a:xfrm>
+          <a:prstGeom prst="rect">
+            <a:avLst/>
+          </a:prstGeom>
+        </p:spPr>
+        <p:txBody>
+          <a:bodyPr vert="horz" lIns="91440" tIns="45720" rIns="91440" bIns="45720" rtlCol="0" anchor="b"/>
+          <a:lstStyle>
+            <a:lvl1pPr algn="l">
+              <a:defRPr sz="1200"/>
+            </a:lvl1pPr>
+          </a:lstStyle>
+          <a:p>
+            <a:endParaRPr lang="fr-CA"/>
+          </a:p>
+        </p:txBody>
+      </p:sp>
+      <p:sp>
+        <p:nvSpPr>
+          <p:cNvPr id="7" name="Espace réservé du numéro de diapositive 6"/>
+          <p:cNvSpPr>
+            <a:spLocks noGrp="1"/>
+          </p:cNvSpPr>
+          <p:nvPr>
+            <p:ph type="sldNum" sz="quarter" idx="5"/>
+          </p:nvPr>
+        </p:nvSpPr>
+        <p:spPr>
+          <a:xfrm>
+            <a:off x="3884613" y="8685213"/>
+            <a:ext cx="2971800" cy="457200"/>
+          </a:xfrm>
+          <a:prstGeom prst="rect">
+            <a:avLst/>
+          </a:prstGeom>
+        </p:spPr>
+        <p:txBody>
+          <a:bodyPr vert="horz" lIns="91440" tIns="45720" rIns="91440" bIns="45720" rtlCol="0" anchor="b"/>
+          <a:lstStyle>
+            <a:lvl1pPr algn="r">
+              <a:defRPr sz="1200"/>
+            </a:lvl1pPr>
+          </a:lstStyle>
+          <a:p>
+            <a:fld id="{FB9F2FCA-662C-40A7-8D5A-E68B7963E411}" type="slidenum">
+              <a:rPr lang="fr-CA" smtClean="0"/>
+              <a:t>‹N°›</a:t>
+            </a:fld>
+            <a:endParaRPr lang="fr-CA"/>
+          </a:p>
+        </p:txBody>
+      </p:sp>
+    </p:spTree>
+  </p:cSld>
+  <p:clrMap bg1="lt1" tx1="dk1" bg2="lt2" tx2="dk2" accent1="accent1" accent2="accent2" accent3="accent3" accent4="accent4" accent5="accent5" accent6="accent6" hlink="hlink" folHlink="folHlink"/>
+  <p:notesStyle>
+    <a:lvl1pPr marL="0" algn="l" defTabSz="914400" rtl="0" eaLnBrk="1" latinLnBrk="0" hangingPunct="1">
+      <a:defRPr sz="1200" kern="1200">
+        <a:solidFill>
+          <a:schemeClr val="tx1"/>
+        </a:solidFill>
+        <a:latin typeface="+mn-lt"/>
+        <a:ea typeface="+mn-ea"/>
+        <a:cs typeface="+mn-cs"/>
+      </a:defRPr>
+    </a:lvl1pPr>
+    <a:lvl2pPr marL="457200" algn="l" defTabSz="914400" rtl="0" eaLnBrk="1" latinLnBrk="0" hangingPunct="1">
+      <a:defRPr sz="1200" kern="1200">
+        <a:solidFill>
+          <a:schemeClr val="tx1"/>
+        </a:solidFill>
+        <a:latin typeface="+mn-lt"/>
+        <a:ea typeface="+mn-ea"/>
+        <a:cs typeface="+mn-cs"/>
+      </a:defRPr>
+    </a:lvl2pPr>
+    <a:lvl3pPr marL="914400" algn="l" defTabSz="914400" rtl="0" eaLnBrk="1" latinLnBrk="0" hangingPunct="1">
+      <a:defRPr sz="1200" kern="1200">
+        <a:solidFill>
+          <a:schemeClr val="tx1"/>
+        </a:solidFill>
+        <a:latin typeface="+mn-lt"/>
+        <a:ea typeface="+mn-ea"/>
+        <a:cs typeface="+mn-cs"/>
+      </a:defRPr>
+    </a:lvl3pPr>
+    <a:lvl4pPr marL="1371600" algn="l" defTabSz="914400" rtl="0" eaLnBrk="1" latinLnBrk="0" hangingPunct="1">
+      <a:defRPr sz="1200" kern="1200">
+        <a:solidFill>
+          <a:schemeClr val="tx1"/>
+        </a:solidFill>
+        <a:latin typeface="+mn-lt"/>
+        <a:ea typeface="+mn-ea"/>
+        <a:cs typeface="+mn-cs"/>
+      </a:defRPr>
+    </a:lvl4pPr>
+    <a:lvl5pPr marL="1828800" algn="l" defTabSz="914400" rtl="0" eaLnBrk="1" latinLnBrk="0" hangingPunct="1">
+      <a:defRPr sz="1200" kern="1200">
+        <a:solidFill>
+          <a:schemeClr val="tx1"/>
+        </a:solidFill>
+        <a:latin typeface="+mn-lt"/>
+        <a:ea typeface="+mn-ea"/>
+        <a:cs typeface="+mn-cs"/>
+      </a:defRPr>
+    </a:lvl5pPr>
+    <a:lvl6pPr marL="2286000" algn="l" defTabSz="914400" rtl="0" eaLnBrk="1" latinLnBrk="0" hangingPunct="1">
+      <a:defRPr sz="1200" kern="1200">
+        <a:solidFill>
+          <a:schemeClr val="tx1"/>
+        </a:solidFill>
+        <a:latin typeface="+mn-lt"/>
+        <a:ea typeface="+mn-ea"/>
+        <a:cs typeface="+mn-cs"/>
+      </a:defRPr>
+    </a:lvl6pPr>
+    <a:lvl7pPr marL="2743200" algn="l" defTabSz="914400" rtl="0" eaLnBrk="1" latinLnBrk="0" hangingPunct="1">
+      <a:defRPr sz="1200" kern="1200">
+        <a:solidFill>
+          <a:schemeClr val="tx1"/>
+        </a:solidFill>
+        <a:latin typeface="+mn-lt"/>
+        <a:ea typeface="+mn-ea"/>
+        <a:cs typeface="+mn-cs"/>
+      </a:defRPr>
+    </a:lvl7pPr>
+    <a:lvl8pPr marL="3200400" algn="l" defTabSz="914400" rtl="0" eaLnBrk="1" latinLnBrk="0" hangingPunct="1">
+      <a:defRPr sz="1200" kern="1200">
+        <a:solidFill>
+          <a:schemeClr val="tx1"/>
+        </a:solidFill>
+        <a:latin typeface="+mn-lt"/>
+        <a:ea typeface="+mn-ea"/>
+        <a:cs typeface="+mn-cs"/>
+      </a:defRPr>
+    </a:lvl8pPr>
+    <a:lvl9pPr marL="3657600" algn="l" defTabSz="914400" rtl="0" eaLnBrk="1" latinLnBrk="0" hangingPunct="1">
+      <a:defRPr sz="1200" kern="1200">
+        <a:solidFill>
+          <a:schemeClr val="tx1"/>
+        </a:solidFill>
+        <a:latin typeface="+mn-lt"/>
+        <a:ea typeface="+mn-ea"/>
+        <a:cs typeface="+mn-cs"/>
+      </a:defRPr>
+    </a:lvl9pPr>
+  </p:notesStyle>
+</p:notesMaster>
+</file>
+
+<file path=ppt/notesSlides/notesSlide1.xml><?xml version="1.0" encoding="utf-8"?>
+<p:notes xmlns:a="http://schemas.openxmlformats.org/drawingml/2006/main" xmlns:r="http://schemas.openxmlformats.org/officeDocument/2006/relationships" xmlns:p="http://schemas.openxmlformats.org/presentationml/2006/main">
+  <p:cSld>
+    <p:spTree>
+      <p:nvGrpSpPr>
+        <p:cNvPr id="1" name=""/>
+        <p:cNvGrpSpPr/>
+        <p:nvPr/>
+      </p:nvGrpSpPr>
+      <p:grpSpPr>
+        <a:xfrm>
+          <a:off x="0" y="0"/>
+          <a:ext cx="0" cy="0"/>
+          <a:chOff x="0" y="0"/>
+          <a:chExt cx="0" cy="0"/>
+        </a:xfrm>
+      </p:grpSpPr>
+      <p:sp>
+        <p:nvSpPr>
+          <p:cNvPr id="2" name="Espace réservé de l'image des diapositives 1"/>
+          <p:cNvSpPr>
+            <a:spLocks noGrp="1" noRot="1" noChangeAspect="1"/>
+          </p:cNvSpPr>
+          <p:nvPr>
+            <p:ph type="sldImg"/>
+          </p:nvPr>
+        </p:nvSpPr>
+        <p:spPr/>
+      </p:sp>
+      <p:sp>
+        <p:nvSpPr>
+          <p:cNvPr id="3" name="Espace réservé des commentaires 2"/>
+          <p:cNvSpPr>
+            <a:spLocks noGrp="1"/>
+          </p:cNvSpPr>
+          <p:nvPr>
+            <p:ph type="body" idx="1"/>
+          </p:nvPr>
+        </p:nvSpPr>
+        <p:spPr/>
+        <p:txBody>
+          <a:bodyPr>
+            <a:normAutofit/>
+          </a:bodyPr>
+          <a:lstStyle/>
+          <a:p>
+            <a:endParaRPr lang="fr-CA"/>
+          </a:p>
+        </p:txBody>
+      </p:sp>
+      <p:sp>
+        <p:nvSpPr>
+          <p:cNvPr id="4" name="Espace réservé du numéro de diapositive 3"/>
+          <p:cNvSpPr>
+            <a:spLocks noGrp="1"/>
+          </p:cNvSpPr>
+          <p:nvPr>
+            <p:ph type="sldNum" sz="quarter" idx="10"/>
+          </p:nvPr>
+        </p:nvSpPr>
+        <p:spPr/>
+        <p:txBody>
+          <a:bodyPr/>
+          <a:lstStyle/>
+          <a:p>
+            <a:fld id="{FB9F2FCA-662C-40A7-8D5A-E68B7963E411}" type="slidenum">
+              <a:rPr lang="fr-CA" smtClean="0"/>
+              <a:t>5</a:t>
+            </a:fld>
+            <a:endParaRPr lang="fr-CA"/>
+          </a:p>
+        </p:txBody>
+      </p:sp>
+    </p:spTree>
+  </p:cSld>
+  <p:clrMapOvr>
+    <a:masterClrMapping/>
+  </p:clrMapOvr>
+</p:notes>
+</file>
+
 <file path=ppt/slideLayouts/slideLayout1.xml><?xml version="1.0" encoding="utf-8"?>
 <p:sldLayout xmlns:a="http://schemas.openxmlformats.org/drawingml/2006/main" xmlns:r="http://schemas.openxmlformats.org/officeDocument/2006/relationships" xmlns:p="http://schemas.openxmlformats.org/presentationml/2006/main" showMasterSp="0" type="title" preserve="1">
   <p:cSld name="Diapositive de titre">
@@ -504,7 +935,7 @@
             <a:fld id="{0E2206DE-E46C-11DE-C687-0017421EB310}" type="datetimeFigureOut">
               <a:rPr lang="fr-FR" smtClean="0"/>
               <a:pPr/>
-              <a:t>09/12/2009</a:t>
+              <a:t>10/12/2009</a:t>
             </a:fld>
             <a:endParaRPr lang="fr-CA"/>
           </a:p>
@@ -671,7 +1102,7 @@
             <a:fld id="{0E2206DE-E46C-11DE-C687-0017421EB310}" type="datetimeFigureOut">
               <a:rPr lang="fr-FR" smtClean="0"/>
               <a:pPr/>
-              <a:t>09/12/2009</a:t>
+              <a:t>10/12/2009</a:t>
             </a:fld>
             <a:endParaRPr lang="fr-CA"/>
           </a:p>
@@ -848,7 +1279,7 @@
             <a:fld id="{0E2206DE-E46C-11DE-C687-0017421EB310}" type="datetimeFigureOut">
               <a:rPr lang="fr-FR" smtClean="0"/>
               <a:pPr/>
-              <a:t>09/12/2009</a:t>
+              <a:t>10/12/2009</a:t>
             </a:fld>
             <a:endParaRPr lang="fr-CA"/>
           </a:p>
@@ -1019,7 +1450,7 @@
             <a:fld id="{0E2206DE-E46C-11DE-C687-0017421EB310}" type="datetimeFigureOut">
               <a:rPr lang="fr-FR" smtClean="0"/>
               <a:pPr/>
-              <a:t>09/12/2009</a:t>
+              <a:t>10/12/2009</a:t>
             </a:fld>
             <a:endParaRPr lang="fr-CA"/>
           </a:p>
@@ -1476,7 +1907,7 @@
             <a:fld id="{0E2206DE-E46C-11DE-C687-0017421EB310}" type="datetimeFigureOut">
               <a:rPr lang="fr-FR" smtClean="0"/>
               <a:pPr/>
-              <a:t>09/12/2009</a:t>
+              <a:t>10/12/2009</a:t>
             </a:fld>
             <a:endParaRPr lang="fr-CA"/>
           </a:p>
@@ -1742,7 +2173,7 @@
             <a:fld id="{0E2206DE-E46C-11DE-C687-0017421EB310}" type="datetimeFigureOut">
               <a:rPr lang="fr-FR" smtClean="0"/>
               <a:pPr/>
-              <a:t>09/12/2009</a:t>
+              <a:t>10/12/2009</a:t>
             </a:fld>
             <a:endParaRPr lang="fr-CA"/>
           </a:p>
@@ -2118,7 +2549,7 @@
             <a:fld id="{0E2206DE-E46C-11DE-C687-0017421EB310}" type="datetimeFigureOut">
               <a:rPr lang="fr-FR" smtClean="0"/>
               <a:pPr/>
-              <a:t>09/12/2009</a:t>
+              <a:t>10/12/2009</a:t>
             </a:fld>
             <a:endParaRPr lang="fr-CA"/>
           </a:p>
@@ -2242,7 +2673,7 @@
             <a:fld id="{0E2206DE-E46C-11DE-C687-0017421EB310}" type="datetimeFigureOut">
               <a:rPr lang="fr-FR" smtClean="0"/>
               <a:pPr/>
-              <a:t>09/12/2009</a:t>
+              <a:t>10/12/2009</a:t>
             </a:fld>
             <a:endParaRPr lang="fr-CA"/>
           </a:p>
@@ -2334,7 +2765,7 @@
             <a:fld id="{0E2206DE-E46C-11DE-C687-0017421EB310}" type="datetimeFigureOut">
               <a:rPr lang="fr-FR" smtClean="0"/>
               <a:pPr/>
-              <a:t>09/12/2009</a:t>
+              <a:t>10/12/2009</a:t>
             </a:fld>
             <a:endParaRPr lang="fr-CA"/>
           </a:p>
@@ -2585,7 +3016,7 @@
             <a:fld id="{0E2206DE-E46C-11DE-C687-0017421EB310}" type="datetimeFigureOut">
               <a:rPr lang="fr-FR" smtClean="0"/>
               <a:pPr/>
-              <a:t>09/12/2009</a:t>
+              <a:t>10/12/2009</a:t>
             </a:fld>
             <a:endParaRPr lang="fr-CA"/>
           </a:p>
@@ -2846,7 +3277,7 @@
             <a:fld id="{0E2206DE-E46C-11DE-C687-0017421EB310}" type="datetimeFigureOut">
               <a:rPr lang="fr-FR" smtClean="0"/>
               <a:pPr/>
-              <a:t>09/12/2009</a:t>
+              <a:t>10/12/2009</a:t>
             </a:fld>
             <a:endParaRPr lang="fr-CA"/>
           </a:p>
@@ -3252,7 +3683,7 @@
             <a:fld id="{0E2206DE-E46C-11DE-C687-0017421EB310}" type="datetimeFigureOut">
               <a:rPr lang="fr-FR" smtClean="0"/>
               <a:pPr/>
-              <a:t>09/12/2009</a:t>
+              <a:t>10/12/2009</a:t>
             </a:fld>
             <a:endParaRPr lang="fr-CA"/>
           </a:p>
@@ -4597,37 +5028,69 @@
             <p:ph idx="1"/>
           </p:nvPr>
         </p:nvSpPr>
-        <p:spPr/>
-        <p:txBody>
-          <a:bodyPr/>
+        <p:spPr>
+          <a:xfrm>
+            <a:off x="428596" y="1428736"/>
+            <a:ext cx="7467600" cy="4983179"/>
+          </a:xfrm>
+        </p:spPr>
+        <p:txBody>
+          <a:bodyPr>
+            <a:normAutofit lnSpcReduction="10000"/>
+          </a:bodyPr>
           <a:lstStyle/>
           <a:p>
             <a:pPr lvl="0"/>
             <a:r>
-              <a:rPr lang="fr-CA" dirty="0" smtClean="0"/>
-              <a:t> Comment : Aller avec ce que tu as. Facilement transportable. SGDB séparé de l’</a:t>
-            </a:r>
-            <a:r>
-              <a:rPr lang="fr-CA" dirty="0" err="1" smtClean="0"/>
-              <a:t>orm</a:t>
-            </a:r>
-            <a:r>
-              <a:rPr lang="fr-CA" dirty="0" smtClean="0"/>
-              <a:t>.</a:t>
-            </a:r>
-          </a:p>
-          <a:p>
-            <a:r>
-              <a:rPr lang="fr-CA" sz="4400" kern="1200" dirty="0" smtClean="0">
-                <a:solidFill>
-                  <a:schemeClr val="tx1"/>
-                </a:solidFill>
+              <a:rPr lang="fr-CA" sz="4400" dirty="0" smtClean="0">
                 <a:latin typeface="+mj-lt"/>
                 <a:ea typeface="+mj-ea"/>
                 <a:cs typeface="+mj-cs"/>
               </a:rPr>
-              <a:t>Accesseurs</a:t>
-            </a:r>
+              <a:t> Flexibilité de base de donnée</a:t>
+            </a:r>
+          </a:p>
+          <a:p>
+            <a:pPr lvl="0"/>
+            <a:r>
+              <a:rPr lang="fr-CA" sz="4400" dirty="0" smtClean="0">
+                <a:latin typeface="+mj-lt"/>
+                <a:ea typeface="+mj-ea"/>
+                <a:cs typeface="+mj-cs"/>
+              </a:rPr>
+              <a:t> </a:t>
+            </a:r>
+            <a:r>
+              <a:rPr lang="fr-CA" sz="4400" dirty="0" smtClean="0">
+                <a:latin typeface="+mj-lt"/>
+                <a:ea typeface="+mj-ea"/>
+                <a:cs typeface="+mj-cs"/>
+              </a:rPr>
+              <a:t>Selon le client</a:t>
+            </a:r>
+          </a:p>
+          <a:p>
+            <a:pPr lvl="0"/>
+            <a:r>
+              <a:rPr lang="fr-CA" sz="4400" dirty="0" smtClean="0">
+                <a:latin typeface="+mj-lt"/>
+                <a:ea typeface="+mj-ea"/>
+                <a:cs typeface="+mj-cs"/>
+              </a:rPr>
+              <a:t> Base de donnée   indépendante</a:t>
+            </a:r>
+          </a:p>
+          <a:p>
+            <a:pPr lvl="0"/>
+            <a:r>
+              <a:rPr lang="fr-CA" sz="4400" dirty="0" smtClean="0">
+                <a:latin typeface="+mj-lt"/>
+                <a:ea typeface="+mj-ea"/>
+                <a:cs typeface="+mj-cs"/>
+              </a:rPr>
+              <a:t> Données inter-reliées ( Liste de valeurs ) </a:t>
+            </a:r>
+            <a:endParaRPr lang="fr-CA" dirty="0" smtClean="0"/>
           </a:p>
         </p:txBody>
       </p:sp>
@@ -5477,4 +5940,287 @@
   <a:objectDefaults/>
   <a:extraClrSchemeLst/>
 </a:theme>
+</file>
+
+<file path=ppt/theme/theme2.xml><?xml version="1.0" encoding="utf-8"?>
+<a:theme xmlns:a="http://schemas.openxmlformats.org/drawingml/2006/main" name="Thème Office">
+  <a:themeElements>
+    <a:clrScheme name="Office">
+      <a:dk1>
+        <a:sysClr val="windowText" lastClr="000000"/>
+      </a:dk1>
+      <a:lt1>
+        <a:sysClr val="window" lastClr="FFFFFF"/>
+      </a:lt1>
+      <a:dk2>
+        <a:srgbClr val="1F497D"/>
+      </a:dk2>
+      <a:lt2>
+        <a:srgbClr val="EEECE1"/>
+      </a:lt2>
+      <a:accent1>
+        <a:srgbClr val="4F81BD"/>
+      </a:accent1>
+      <a:accent2>
+        <a:srgbClr val="C0504D"/>
+      </a:accent2>
+      <a:accent3>
+        <a:srgbClr val="9BBB59"/>
+      </a:accent3>
+      <a:accent4>
+        <a:srgbClr val="8064A2"/>
+      </a:accent4>
+      <a:accent5>
+        <a:srgbClr val="4BACC6"/>
+      </a:accent5>
+      <a:accent6>
+        <a:srgbClr val="F79646"/>
+      </a:accent6>
+      <a:hlink>
+        <a:srgbClr val="0000FF"/>
+      </a:hlink>
+      <a:folHlink>
+        <a:srgbClr val="800080"/>
+      </a:folHlink>
+    </a:clrScheme>
+    <a:fontScheme name="Office">
+      <a:majorFont>
+        <a:latin typeface="Calibri"/>
+        <a:ea typeface=""/>
+        <a:cs typeface=""/>
+        <a:font script="Jpan" typeface="ＭＳ Ｐゴシック"/>
+        <a:font script="Hang" typeface="맑은 고딕"/>
+        <a:font script="Hans" typeface="宋体"/>
+        <a:font script="Hant" typeface="新細明體"/>
+        <a:font script="Arab" typeface="Times New Roman"/>
+        <a:font script="Hebr" typeface="Times New Roman"/>
+        <a:font script="Thai" typeface="Angsana New"/>
+        <a:font script="Ethi" typeface="Nyala"/>
+        <a:font script="Beng" typeface="Vrinda"/>
+        <a:font script="Gujr" typeface="Shruti"/>
+        <a:font script="Khmr" typeface="MoolBoran"/>
+        <a:font script="Knda" typeface="Tunga"/>
+        <a:font script="Guru" typeface="Raavi"/>
+        <a:font script="Cans" typeface="Euphemia"/>
+        <a:font script="Cher" typeface="Plantagenet Cherokee"/>
+        <a:font script="Yiii" typeface="Microsoft Yi Baiti"/>
+        <a:font script="Tibt" typeface="Microsoft Himalaya"/>
+        <a:font script="Thaa" typeface="MV Boli"/>
+        <a:font script="Deva" typeface="Mangal"/>
+        <a:font script="Telu" typeface="Gautami"/>
+        <a:font script="Taml" typeface="Latha"/>
+        <a:font script="Syrc" typeface="Estrangelo Edessa"/>
+        <a:font script="Orya" typeface="Kalinga"/>
+        <a:font script="Mlym" typeface="Kartika"/>
+        <a:font script="Laoo" typeface="DokChampa"/>
+        <a:font script="Sinh" typeface="Iskoola Pota"/>
+        <a:font script="Mong" typeface="Mongolian Baiti"/>
+        <a:font script="Viet" typeface="Times New Roman"/>
+        <a:font script="Uigh" typeface="Microsoft Uighur"/>
+      </a:majorFont>
+      <a:minorFont>
+        <a:latin typeface="Calibri"/>
+        <a:ea typeface=""/>
+        <a:cs typeface=""/>
+        <a:font script="Jpan" typeface="ＭＳ Ｐゴシック"/>
+        <a:font script="Hang" typeface="맑은 고딕"/>
+        <a:font script="Hans" typeface="宋体"/>
+        <a:font script="Hant" typeface="新細明體"/>
+        <a:font script="Arab" typeface="Arial"/>
+        <a:font script="Hebr" typeface="Arial"/>
+        <a:font script="Thai" typeface="Cordia New"/>
+        <a:font script="Ethi" typeface="Nyala"/>
+        <a:font script="Beng" typeface="Vrinda"/>
+        <a:font script="Gujr" typeface="Shruti"/>
+        <a:font script="Khmr" typeface="DaunPenh"/>
+        <a:font script="Knda" typeface="Tunga"/>
+        <a:font script="Guru" typeface="Raavi"/>
+        <a:font script="Cans" typeface="Euphemia"/>
+        <a:font script="Cher" typeface="Plantagenet Cherokee"/>
+        <a:font script="Yiii" typeface="Microsoft Yi Baiti"/>
+        <a:font script="Tibt" typeface="Microsoft Himalaya"/>
+        <a:font script="Thaa" typeface="MV Boli"/>
+        <a:font script="Deva" typeface="Mangal"/>
+        <a:font script="Telu" typeface="Gautami"/>
+        <a:font script="Taml" typeface="Latha"/>
+        <a:font script="Syrc" typeface="Estrangelo Edessa"/>
+        <a:font script="Orya" typeface="Kalinga"/>
+        <a:font script="Mlym" typeface="Kartika"/>
+        <a:font script="Laoo" typeface="DokChampa"/>
+        <a:font script="Sinh" typeface="Iskoola Pota"/>
+        <a:font script="Mong" typeface="Mongolian Baiti"/>
+        <a:font script="Viet" typeface="Arial"/>
+        <a:font script="Uigh" typeface="Microsoft Uighur"/>
+      </a:minorFont>
+    </a:fontScheme>
+    <a:fmtScheme name="Office">
+      <a:fillStyleLst>
+        <a:solidFill>
+          <a:schemeClr val="phClr"/>
+        </a:solidFill>
+        <a:gradFill rotWithShape="1">
+          <a:gsLst>
+            <a:gs pos="0">
+              <a:schemeClr val="phClr">
+                <a:tint val="50000"/>
+                <a:satMod val="300000"/>
+              </a:schemeClr>
+            </a:gs>
+            <a:gs pos="35000">
+              <a:schemeClr val="phClr">
+                <a:tint val="37000"/>
+                <a:satMod val="300000"/>
+              </a:schemeClr>
+            </a:gs>
+            <a:gs pos="100000">
+              <a:schemeClr val="phClr">
+                <a:tint val="15000"/>
+                <a:satMod val="350000"/>
+              </a:schemeClr>
+            </a:gs>
+          </a:gsLst>
+          <a:lin ang="16200000" scaled="1"/>
+        </a:gradFill>
+        <a:gradFill rotWithShape="1">
+          <a:gsLst>
+            <a:gs pos="0">
+              <a:schemeClr val="phClr">
+                <a:shade val="51000"/>
+                <a:satMod val="130000"/>
+              </a:schemeClr>
+            </a:gs>
+            <a:gs pos="80000">
+              <a:schemeClr val="phClr">
+                <a:shade val="93000"/>
+                <a:satMod val="130000"/>
+              </a:schemeClr>
+            </a:gs>
+            <a:gs pos="100000">
+              <a:schemeClr val="phClr">
+                <a:shade val="94000"/>
+                <a:satMod val="135000"/>
+              </a:schemeClr>
+            </a:gs>
+          </a:gsLst>
+          <a:lin ang="16200000" scaled="0"/>
+        </a:gradFill>
+      </a:fillStyleLst>
+      <a:lnStyleLst>
+        <a:ln w="9525" cap="flat" cmpd="sng" algn="ctr">
+          <a:solidFill>
+            <a:schemeClr val="phClr">
+              <a:shade val="95000"/>
+              <a:satMod val="105000"/>
+            </a:schemeClr>
+          </a:solidFill>
+          <a:prstDash val="solid"/>
+        </a:ln>
+        <a:ln w="25400" cap="flat" cmpd="sng" algn="ctr">
+          <a:solidFill>
+            <a:schemeClr val="phClr"/>
+          </a:solidFill>
+          <a:prstDash val="solid"/>
+        </a:ln>
+        <a:ln w="38100" cap="flat" cmpd="sng" algn="ctr">
+          <a:solidFill>
+            <a:schemeClr val="phClr"/>
+          </a:solidFill>
+          <a:prstDash val="solid"/>
+        </a:ln>
+      </a:lnStyleLst>
+      <a:effectStyleLst>
+        <a:effectStyle>
+          <a:effectLst>
+            <a:outerShdw blurRad="40000" dist="20000" dir="5400000" rotWithShape="0">
+              <a:srgbClr val="000000">
+                <a:alpha val="38000"/>
+              </a:srgbClr>
+            </a:outerShdw>
+          </a:effectLst>
+        </a:effectStyle>
+        <a:effectStyle>
+          <a:effectLst>
+            <a:outerShdw blurRad="40000" dist="23000" dir="5400000" rotWithShape="0">
+              <a:srgbClr val="000000">
+                <a:alpha val="35000"/>
+              </a:srgbClr>
+            </a:outerShdw>
+          </a:effectLst>
+        </a:effectStyle>
+        <a:effectStyle>
+          <a:effectLst>
+            <a:outerShdw blurRad="40000" dist="23000" dir="5400000" rotWithShape="0">
+              <a:srgbClr val="000000">
+                <a:alpha val="35000"/>
+              </a:srgbClr>
+            </a:outerShdw>
+          </a:effectLst>
+          <a:scene3d>
+            <a:camera prst="orthographicFront">
+              <a:rot lat="0" lon="0" rev="0"/>
+            </a:camera>
+            <a:lightRig rig="threePt" dir="t">
+              <a:rot lat="0" lon="0" rev="1200000"/>
+            </a:lightRig>
+          </a:scene3d>
+          <a:sp3d>
+            <a:bevelT w="63500" h="25400"/>
+          </a:sp3d>
+        </a:effectStyle>
+      </a:effectStyleLst>
+      <a:bgFillStyleLst>
+        <a:solidFill>
+          <a:schemeClr val="phClr"/>
+        </a:solidFill>
+        <a:gradFill rotWithShape="1">
+          <a:gsLst>
+            <a:gs pos="0">
+              <a:schemeClr val="phClr">
+                <a:tint val="40000"/>
+                <a:satMod val="350000"/>
+              </a:schemeClr>
+            </a:gs>
+            <a:gs pos="40000">
+              <a:schemeClr val="phClr">
+                <a:tint val="45000"/>
+                <a:shade val="99000"/>
+                <a:satMod val="350000"/>
+              </a:schemeClr>
+            </a:gs>
+            <a:gs pos="100000">
+              <a:schemeClr val="phClr">
+                <a:shade val="20000"/>
+                <a:satMod val="255000"/>
+              </a:schemeClr>
+            </a:gs>
+          </a:gsLst>
+          <a:path path="circle">
+            <a:fillToRect l="50000" t="-80000" r="50000" b="180000"/>
+          </a:path>
+        </a:gradFill>
+        <a:gradFill rotWithShape="1">
+          <a:gsLst>
+            <a:gs pos="0">
+              <a:schemeClr val="phClr">
+                <a:tint val="80000"/>
+                <a:satMod val="300000"/>
+              </a:schemeClr>
+            </a:gs>
+            <a:gs pos="100000">
+              <a:schemeClr val="phClr">
+                <a:shade val="30000"/>
+                <a:satMod val="200000"/>
+              </a:schemeClr>
+            </a:gs>
+          </a:gsLst>
+          <a:path path="circle">
+            <a:fillToRect l="50000" t="50000" r="50000" b="50000"/>
+          </a:path>
+        </a:gradFill>
+      </a:bgFillStyleLst>
+    </a:fmtScheme>
+  </a:themeElements>
+  <a:objectDefaults/>
+  <a:extraClrSchemeLst/>
+</a:theme>
 </file>
--- a/NewtonERP/Documentation/BeeERP_presentation.pptx
+++ b/NewtonERP/Documentation/BeeERP_presentation.pptx
@@ -204,6 +204,7 @@
           <a:p>
             <a:fld id="{B11D08F8-5445-462B-9FD3-ACD73402E53B}" type="datetimeFigureOut">
               <a:rPr lang="fr-FR" smtClean="0"/>
+              <a:pPr/>
               <a:t>10/12/2009</a:t>
             </a:fld>
             <a:endParaRPr lang="fr-CA"/>
@@ -365,6 +366,7 @@
           <a:p>
             <a:fld id="{FB9F2FCA-662C-40A7-8D5A-E68B7963E411}" type="slidenum">
               <a:rPr lang="fr-CA" smtClean="0"/>
+              <a:pPr/>
               <a:t>‹N°›</a:t>
             </a:fld>
             <a:endParaRPr lang="fr-CA"/>
@@ -536,6 +538,7 @@
           <a:p>
             <a:fld id="{FB9F2FCA-662C-40A7-8D5A-E68B7963E411}" type="slidenum">
               <a:rPr lang="fr-CA" smtClean="0"/>
+              <a:pPr/>
               <a:t>5</a:t>
             </a:fld>
             <a:endParaRPr lang="fr-CA"/>
@@ -4194,9 +4197,28 @@
         </p:nvSpPr>
         <p:spPr/>
         <p:txBody>
-          <a:bodyPr/>
-          <a:lstStyle/>
-          <a:p>
+          <a:bodyPr anchor="ctr"/>
+          <a:lstStyle/>
+          <a:p>
+            <a:pPr algn="ctr">
+              <a:buNone/>
+            </a:pPr>
+            <a:r>
+              <a:rPr lang="fr-CA" dirty="0" smtClean="0">
+                <a:hlinkClick r:id="rId2"/>
+              </a:rPr>
+              <a:t>http://127.0.0.1:47098</a:t>
+            </a:r>
+            <a:r>
+              <a:rPr lang="fr-CA" dirty="0" smtClean="0">
+                <a:hlinkClick r:id="rId2"/>
+              </a:rPr>
+              <a:t>/</a:t>
+            </a:r>
+            <a:r>
+              <a:rPr lang="fr-CA" dirty="0" smtClean="0"/>
+              <a:t> </a:t>
+            </a:r>
             <a:endParaRPr lang="fr-CA" dirty="0"/>
           </a:p>
         </p:txBody>
@@ -4403,53 +4425,53 @@
           <a:p>
             <a:pPr lvl="1"/>
             <a:r>
-              <a:rPr lang="fr-CA" smtClean="0"/>
+              <a:rPr lang="fr-CA" dirty="0" smtClean="0"/>
               <a:t>Création d'un champ dynamique sur une entité</a:t>
             </a:r>
-            <a:endParaRPr lang="fr-CA" sz="3600" smtClean="0"/>
+            <a:endParaRPr lang="fr-CA" sz="3600" dirty="0" smtClean="0"/>
           </a:p>
           <a:p>
             <a:pPr lvl="1"/>
             <a:r>
-              <a:rPr lang="fr-CA" smtClean="0"/>
+              <a:rPr lang="fr-CA" dirty="0" smtClean="0"/>
               <a:t>Création dynamique d'un module selon suggestion des auditeurs</a:t>
             </a:r>
-            <a:endParaRPr lang="fr-CA" sz="3600" smtClean="0"/>
+            <a:endParaRPr lang="fr-CA" sz="3600" dirty="0" smtClean="0"/>
           </a:p>
           <a:p>
             <a:pPr lvl="2"/>
             <a:r>
-              <a:rPr lang="fr-CA" smtClean="0"/>
+              <a:rPr lang="fr-CA" dirty="0" smtClean="0"/>
               <a:t>Module</a:t>
             </a:r>
-            <a:endParaRPr lang="fr-CA" sz="3200" smtClean="0"/>
+            <a:endParaRPr lang="fr-CA" sz="3200" dirty="0" smtClean="0"/>
           </a:p>
           <a:p>
             <a:pPr lvl="2"/>
             <a:r>
-              <a:rPr lang="fr-CA" smtClean="0"/>
+              <a:rPr lang="fr-CA" dirty="0" smtClean="0"/>
               <a:t>Entité</a:t>
             </a:r>
-            <a:endParaRPr lang="fr-CA" sz="3200" smtClean="0"/>
+            <a:endParaRPr lang="fr-CA" sz="3200" dirty="0" smtClean="0"/>
           </a:p>
           <a:p>
             <a:pPr lvl="2"/>
             <a:r>
-              <a:rPr lang="fr-CA" smtClean="0"/>
+              <a:rPr lang="fr-CA" dirty="0" smtClean="0"/>
               <a:t>Accesseur</a:t>
             </a:r>
-            <a:endParaRPr lang="fr-CA" sz="3200" smtClean="0"/>
+            <a:endParaRPr lang="fr-CA" sz="3200" dirty="0" smtClean="0"/>
           </a:p>
           <a:p>
             <a:pPr lvl="2"/>
             <a:r>
-              <a:rPr lang="fr-CA" smtClean="0"/>
+              <a:rPr lang="fr-CA" dirty="0" err="1" smtClean="0"/>
               <a:t>Task</a:t>
             </a:r>
-            <a:endParaRPr lang="fr-CA" sz="3200" smtClean="0"/>
-          </a:p>
-          <a:p>
-            <a:endParaRPr lang="fr-CA"/>
+            <a:endParaRPr lang="fr-CA" sz="3200" dirty="0" smtClean="0"/>
+          </a:p>
+          <a:p>
+            <a:endParaRPr lang="fr-CA" dirty="0"/>
           </a:p>
         </p:txBody>
       </p:sp>
@@ -4562,12 +4584,8 @@
           </a:p>
           <a:p>
             <a:r>
-              <a:rPr lang="fr-CA" dirty="0" err="1" smtClean="0"/>
-              <a:t>Jonatan</a:t>
-            </a:r>
-            <a:r>
               <a:rPr lang="fr-CA" dirty="0" smtClean="0"/>
-              <a:t> Cloutier</a:t>
+              <a:t>Jonatan Cloutier</a:t>
             </a:r>
           </a:p>
           <a:p>
@@ -4672,18 +4690,31 @@
           <a:bodyPr/>
           <a:lstStyle/>
           <a:p>
-            <a:pPr lvl="2"/>
+            <a:pPr>
+              <a:lnSpc>
+                <a:spcPct val="150000"/>
+              </a:lnSpc>
+            </a:pPr>
             <a:r>
               <a:rPr lang="fr-CA" dirty="0" smtClean="0"/>
               <a:t>Outils </a:t>
             </a:r>
             <a:r>
               <a:rPr lang="fr-CA" dirty="0"/>
-              <a:t>automatisé pour modéliser les comportements d'une entreprise afin de les rendre plus automatiques.</a:t>
-            </a:r>
-            <a:endParaRPr lang="fr-CA" sz="3200" dirty="0"/>
-          </a:p>
-          <a:p>
+              <a:t>automatisé pour modéliser les comportements d'une entreprise afin de les rendre plus automatiques</a:t>
+            </a:r>
+            <a:r>
+              <a:rPr lang="fr-CA" dirty="0" smtClean="0"/>
+              <a:t>.</a:t>
+            </a:r>
+          </a:p>
+          <a:p>
+            <a:pPr>
+              <a:lnSpc>
+                <a:spcPct val="150000"/>
+              </a:lnSpc>
+              <a:buNone/>
+            </a:pPr>
             <a:endParaRPr lang="fr-CA" dirty="0"/>
           </a:p>
         </p:txBody>
@@ -4795,6 +4826,11 @@
           <a:bodyPr/>
           <a:lstStyle/>
           <a:p>
+            <a:pPr>
+              <a:lnSpc>
+                <a:spcPct val="150000"/>
+              </a:lnSpc>
+            </a:pPr>
             <a:r>
               <a:rPr lang="fr-CA" dirty="0" smtClean="0"/>
               <a:t>Automatiser </a:t>
@@ -4805,12 +4841,45 @@
             </a:r>
           </a:p>
           <a:p>
+            <a:pPr>
+              <a:lnSpc>
+                <a:spcPct val="150000"/>
+              </a:lnSpc>
+            </a:pPr>
             <a:r>
               <a:rPr lang="fr-CA" dirty="0"/>
-              <a:t>Permet de grossir une entreprise en maintenant l'ordre</a:t>
-            </a:r>
-          </a:p>
-          <a:p>
+              <a:t>Permet de grossir une entreprise en maintenant </a:t>
+            </a:r>
+            <a:r>
+              <a:rPr lang="fr-CA" dirty="0" smtClean="0"/>
+              <a:t>l'ordre</a:t>
+            </a:r>
+          </a:p>
+          <a:p>
+            <a:pPr>
+              <a:lnSpc>
+                <a:spcPct val="150000"/>
+              </a:lnSpc>
+            </a:pPr>
+            <a:r>
+              <a:rPr lang="fr-CA" dirty="0" smtClean="0"/>
+              <a:t>Centralisation des données d’une entreprise</a:t>
+            </a:r>
+          </a:p>
+          <a:p>
+            <a:pPr>
+              <a:lnSpc>
+                <a:spcPct val="150000"/>
+              </a:lnSpc>
+            </a:pPr>
+            <a:endParaRPr lang="fr-CA" dirty="0"/>
+          </a:p>
+          <a:p>
+            <a:pPr>
+              <a:lnSpc>
+                <a:spcPct val="150000"/>
+              </a:lnSpc>
+            </a:pPr>
             <a:endParaRPr lang="fr-CA" dirty="0" smtClean="0"/>
           </a:p>
         </p:txBody>
@@ -4891,17 +4960,13 @@
         <p:spPr/>
         <p:txBody>
           <a:bodyPr>
-            <a:normAutofit fontScale="90000"/>
+            <a:normAutofit/>
           </a:bodyPr>
           <a:lstStyle/>
           <a:p>
             <a:r>
               <a:rPr lang="fr-CA" dirty="0" smtClean="0"/>
-              <a:t>Avantages/Désavantages de Bee </a:t>
-            </a:r>
-            <a:r>
-              <a:rPr lang="fr-CA" dirty="0" err="1" smtClean="0"/>
-              <a:t>Erp</a:t>
+              <a:t>Avantages</a:t>
             </a:r>
             <a:endParaRPr lang="fr-CA" dirty="0"/>
           </a:p>
@@ -4919,10 +4984,91 @@
         </p:nvSpPr>
         <p:spPr/>
         <p:txBody>
-          <a:bodyPr/>
-          <a:lstStyle/>
-          <a:p>
-            <a:endParaRPr lang="fr-CA"/>
+          <a:bodyPr>
+            <a:normAutofit/>
+          </a:bodyPr>
+          <a:lstStyle/>
+          <a:p>
+            <a:pPr>
+              <a:lnSpc>
+                <a:spcPct val="150000"/>
+              </a:lnSpc>
+              <a:buNone/>
+            </a:pPr>
+            <a:r>
+              <a:rPr lang="fr-CA" sz="2400" dirty="0" smtClean="0"/>
+              <a:t>Avantages</a:t>
+            </a:r>
+          </a:p>
+          <a:p>
+            <a:pPr>
+              <a:lnSpc>
+                <a:spcPct val="150000"/>
+              </a:lnSpc>
+            </a:pPr>
+            <a:r>
+              <a:rPr lang="fr-CA" sz="2400" dirty="0" smtClean="0"/>
+              <a:t>Une base de donnée unique et commune</a:t>
+            </a:r>
+          </a:p>
+          <a:p>
+            <a:pPr>
+              <a:lnSpc>
+                <a:spcPct val="150000"/>
+              </a:lnSpc>
+            </a:pPr>
+            <a:r>
+              <a:rPr lang="fr-CA" sz="2400" dirty="0" smtClean="0"/>
+              <a:t>É</a:t>
+            </a:r>
+            <a:r>
+              <a:rPr lang="fr-CA" sz="2400" dirty="0" smtClean="0"/>
+              <a:t>limine les causes d’erreur</a:t>
+            </a:r>
+          </a:p>
+          <a:p>
+            <a:pPr>
+              <a:lnSpc>
+                <a:spcPct val="150000"/>
+              </a:lnSpc>
+            </a:pPr>
+            <a:r>
+              <a:rPr lang="fr-CA" sz="2400" dirty="0" smtClean="0"/>
+              <a:t>Pouvoir modeler le ERP sur l’entreprise</a:t>
+            </a:r>
+          </a:p>
+          <a:p>
+            <a:pPr>
+              <a:lnSpc>
+                <a:spcPct val="150000"/>
+              </a:lnSpc>
+            </a:pPr>
+            <a:r>
+              <a:rPr lang="fr-CA" sz="2400" dirty="0" smtClean="0"/>
+              <a:t>Système centralisé Minimise les coûts</a:t>
+            </a:r>
+          </a:p>
+          <a:p>
+            <a:pPr>
+              <a:lnSpc>
+                <a:spcPct val="150000"/>
+              </a:lnSpc>
+            </a:pPr>
+            <a:r>
+              <a:rPr lang="fr-CA" sz="2400" dirty="0" smtClean="0"/>
+              <a:t>La même recette d’utilisation</a:t>
+            </a:r>
+          </a:p>
+          <a:p>
+            <a:pPr>
+              <a:lnSpc>
+                <a:spcPct val="150000"/>
+              </a:lnSpc>
+            </a:pPr>
+            <a:r>
+              <a:rPr lang="fr-CA" sz="2400" dirty="0" smtClean="0"/>
+              <a:t>Optimise l’entreprise</a:t>
+            </a:r>
           </a:p>
         </p:txBody>
       </p:sp>
@@ -5007,12 +5153,8 @@
           <a:lstStyle/>
           <a:p>
             <a:r>
-              <a:rPr lang="fr-CA" dirty="0" err="1" smtClean="0"/>
-              <a:t>Orm</a:t>
-            </a:r>
-            <a:r>
               <a:rPr lang="fr-CA" dirty="0" smtClean="0"/>
-              <a:t> </a:t>
+              <a:t>Orm </a:t>
             </a:r>
             <a:endParaRPr lang="fr-CA" dirty="0"/>
           </a:p>
@@ -5036,61 +5178,83 @@
         </p:spPr>
         <p:txBody>
           <a:bodyPr>
-            <a:normAutofit lnSpcReduction="10000"/>
+            <a:normAutofit/>
           </a:bodyPr>
           <a:lstStyle/>
           <a:p>
             <a:pPr lvl="0"/>
             <a:r>
-              <a:rPr lang="fr-CA" sz="4400" dirty="0" smtClean="0">
-                <a:latin typeface="+mj-lt"/>
-                <a:ea typeface="+mj-ea"/>
-                <a:cs typeface="+mj-cs"/>
-              </a:rPr>
-              <a:t> Flexibilité de base de donnée</a:t>
+              <a:rPr lang="fr-CA" sz="2800" dirty="0" smtClean="0"/>
+              <a:t>Flexibilité de base de </a:t>
+            </a:r>
+            <a:r>
+              <a:rPr lang="fr-CA" sz="2800" dirty="0" smtClean="0"/>
+              <a:t>donnée</a:t>
             </a:r>
           </a:p>
           <a:p>
             <a:pPr lvl="0"/>
-            <a:r>
-              <a:rPr lang="fr-CA" sz="4400" dirty="0" smtClean="0">
-                <a:latin typeface="+mj-lt"/>
-                <a:ea typeface="+mj-ea"/>
-                <a:cs typeface="+mj-cs"/>
-              </a:rPr>
-              <a:t> </a:t>
-            </a:r>
-            <a:r>
-              <a:rPr lang="fr-CA" sz="4400" dirty="0" smtClean="0">
-                <a:latin typeface="+mj-lt"/>
-                <a:ea typeface="+mj-ea"/>
-                <a:cs typeface="+mj-cs"/>
-              </a:rPr>
-              <a:t>Selon le client</a:t>
-            </a:r>
+            <a:endParaRPr lang="fr-CA" sz="2800" dirty="0" smtClean="0"/>
           </a:p>
           <a:p>
             <a:pPr lvl="0"/>
             <a:r>
-              <a:rPr lang="fr-CA" sz="4400" dirty="0" smtClean="0">
-                <a:latin typeface="+mj-lt"/>
-                <a:ea typeface="+mj-ea"/>
-                <a:cs typeface="+mj-cs"/>
-              </a:rPr>
-              <a:t> Base de donnée   indépendante</a:t>
-            </a:r>
+              <a:rPr lang="fr-CA" sz="2800" dirty="0" smtClean="0"/>
+              <a:t>Système </a:t>
+            </a:r>
+            <a:r>
+              <a:rPr lang="fr-CA" sz="2800" dirty="0" smtClean="0"/>
+              <a:t>de base de </a:t>
+            </a:r>
+            <a:r>
+              <a:rPr lang="fr-CA" sz="2800" dirty="0" smtClean="0"/>
+              <a:t>donnée </a:t>
+            </a:r>
+            <a:r>
+              <a:rPr lang="fr-CA" sz="2800" dirty="0" smtClean="0"/>
+              <a:t>indépendant du </a:t>
+            </a:r>
+            <a:r>
+              <a:rPr lang="fr-CA" sz="2800" dirty="0" smtClean="0"/>
+              <a:t>logiciel et au choix du client</a:t>
+            </a:r>
+            <a:endParaRPr lang="fr-CA" sz="2800" dirty="0" smtClean="0"/>
           </a:p>
           <a:p>
             <a:pPr lvl="0"/>
-            <a:r>
-              <a:rPr lang="fr-CA" sz="4400" dirty="0" smtClean="0">
-                <a:latin typeface="+mj-lt"/>
-                <a:ea typeface="+mj-ea"/>
-                <a:cs typeface="+mj-cs"/>
-              </a:rPr>
-              <a:t> Données inter-reliées ( Liste de valeurs ) </a:t>
-            </a:r>
-            <a:endParaRPr lang="fr-CA" dirty="0" smtClean="0"/>
+            <a:endParaRPr lang="fr-CA" sz="2800" dirty="0" smtClean="0"/>
+          </a:p>
+          <a:p>
+            <a:pPr lvl="0"/>
+            <a:r>
+              <a:rPr lang="fr-CA" sz="2800" dirty="0" smtClean="0"/>
+              <a:t>Données </a:t>
+            </a:r>
+            <a:r>
+              <a:rPr lang="fr-CA" sz="2800" dirty="0" smtClean="0"/>
+              <a:t>inter-reliées ( Liste de valeurs ) </a:t>
+            </a:r>
+            <a:endParaRPr lang="fr-CA" sz="2800" dirty="0" smtClean="0"/>
+          </a:p>
+          <a:p>
+            <a:pPr lvl="0"/>
+            <a:endParaRPr lang="fr-CA" sz="2800" dirty="0" smtClean="0"/>
+          </a:p>
+          <a:p>
+            <a:pPr lvl="0"/>
+            <a:r>
+              <a:rPr lang="fr-CA" sz="2800" dirty="0" smtClean="0"/>
+              <a:t>Abstraction de la base </a:t>
+            </a:r>
+            <a:r>
+              <a:rPr lang="fr-CA" sz="2800" smtClean="0"/>
+              <a:t>de donnée pour </a:t>
+            </a:r>
+            <a:r>
+              <a:rPr lang="fr-CA" sz="2800" dirty="0" smtClean="0"/>
+              <a:t>l’enregistrement de données (rapidité de développement)</a:t>
+            </a:r>
+            <a:endParaRPr lang="fr-CA" sz="2800" dirty="0" smtClean="0"/>
           </a:p>
         </p:txBody>
       </p:sp>
@@ -5175,12 +5339,8 @@
           <a:lstStyle/>
           <a:p>
             <a:r>
-              <a:rPr lang="fr-CA" dirty="0" err="1" smtClean="0"/>
-              <a:t>Naked</a:t>
-            </a:r>
-            <a:r>
               <a:rPr lang="fr-CA" dirty="0" smtClean="0"/>
-              <a:t> Object</a:t>
+              <a:t>Naked Object</a:t>
             </a:r>
             <a:endParaRPr lang="fr-CA" dirty="0"/>
           </a:p>
@@ -5201,7 +5361,45 @@
           <a:bodyPr/>
           <a:lstStyle/>
           <a:p>
-            <a:pPr lvl="0"/>
+            <a:pPr lvl="0">
+              <a:lnSpc>
+                <a:spcPct val="150000"/>
+              </a:lnSpc>
+            </a:pPr>
+            <a:r>
+              <a:rPr lang="fr-CA" dirty="0" smtClean="0"/>
+              <a:t>Simplifie le développement de modules</a:t>
+            </a:r>
+          </a:p>
+          <a:p>
+            <a:pPr lvl="0">
+              <a:lnSpc>
+                <a:spcPct val="150000"/>
+              </a:lnSpc>
+            </a:pPr>
+            <a:r>
+              <a:rPr lang="fr-CA" dirty="0" smtClean="0"/>
+              <a:t>Permet l’ajout de fonctionnalités rapidement et de manière réutilisable</a:t>
+            </a:r>
+          </a:p>
+          <a:p>
+            <a:pPr lvl="0">
+              <a:lnSpc>
+                <a:spcPct val="150000"/>
+              </a:lnSpc>
+            </a:pPr>
+            <a:r>
+              <a:rPr lang="fr-CA" dirty="0" smtClean="0"/>
+              <a:t>Standardise les interfaces utilisateur</a:t>
+            </a:r>
+            <a:endParaRPr lang="fr-CA" dirty="0" smtClean="0"/>
+          </a:p>
+          <a:p>
+            <a:pPr lvl="0">
+              <a:lnSpc>
+                <a:spcPct val="150000"/>
+              </a:lnSpc>
+            </a:pPr>
             <a:endParaRPr lang="fr-CA" dirty="0"/>
           </a:p>
         </p:txBody>
@@ -5229,7 +5427,7 @@
           <a:lstStyle/>
           <a:p>
             <a:r>
-              <a:rPr lang="fr-CA" sz="3200" dirty="0" err="1" smtClean="0">
+              <a:rPr lang="fr-CA" sz="3200" dirty="0" smtClean="0">
                 <a:solidFill>
                   <a:srgbClr val="FF0000"/>
                 </a:solidFill>
@@ -5279,7 +5477,12 @@
             <p:ph type="title"/>
           </p:nvPr>
         </p:nvSpPr>
-        <p:spPr/>
+        <p:spPr>
+          <a:xfrm>
+            <a:off x="457200" y="274638"/>
+            <a:ext cx="8401080" cy="1143000"/>
+          </a:xfrm>
+        </p:spPr>
         <p:txBody>
           <a:bodyPr>
             <a:normAutofit fontScale="90000"/>
@@ -5291,12 +5494,12 @@
               <a:t>Aspect </a:t>
             </a:r>
             <a:r>
-              <a:rPr lang="fr-CA" dirty="0" err="1" smtClean="0"/>
-              <a:t>framework</a:t>
-            </a:r>
-            <a:r>
               <a:rPr lang="fr-CA" dirty="0" smtClean="0"/>
-              <a:t> de développement de logiciel d'entreprise </a:t>
+              <a:t>Framework </a:t>
+            </a:r>
+            <a:r>
+              <a:rPr lang="fr-CA" dirty="0" smtClean="0"/>
+              <a:t>de développement de logiciel d'entreprise </a:t>
             </a:r>
             <a:endParaRPr lang="fr-CA" dirty="0"/>
           </a:p>
@@ -5317,10 +5520,25 @@
           <a:bodyPr/>
           <a:lstStyle/>
           <a:p>
-            <a:pPr lvl="0"/>
+            <a:pPr lvl="0">
+              <a:lnSpc>
+                <a:spcPct val="150000"/>
+              </a:lnSpc>
+            </a:pPr>
             <a:r>
               <a:rPr lang="fr-CA" dirty="0" smtClean="0"/>
-              <a:t>(fonctionnalité avancé toujours possible simplement)</a:t>
+              <a:t>Possibilité d’ajout de fonctionnalité avancée par des programmeurs non spécialisés</a:t>
+            </a:r>
+          </a:p>
+          <a:p>
+            <a:pPr lvl="0">
+              <a:lnSpc>
+                <a:spcPct val="150000"/>
+              </a:lnSpc>
+            </a:pPr>
+            <a:r>
+              <a:rPr lang="fr-CA" dirty="0" smtClean="0"/>
+              <a:t>Extensible a l’infini…</a:t>
             </a:r>
             <a:endParaRPr lang="fr-CA" dirty="0"/>
           </a:p>
@@ -5334,7 +5552,7 @@
         </p:nvSpPr>
         <p:spPr>
           <a:xfrm>
-            <a:off x="6572264" y="357166"/>
+            <a:off x="7143768" y="1000108"/>
             <a:ext cx="1643074" cy="584775"/>
           </a:xfrm>
           <a:prstGeom prst="rect">
@@ -5349,7 +5567,7 @@
           <a:lstStyle/>
           <a:p>
             <a:r>
-              <a:rPr lang="fr-CA" sz="3200" dirty="0" err="1" smtClean="0">
+              <a:rPr lang="fr-CA" sz="3200" dirty="0" smtClean="0">
                 <a:solidFill>
                   <a:srgbClr val="FF0000"/>
                 </a:solidFill>
@@ -5443,12 +5661,53 @@
         </p:nvSpPr>
         <p:spPr/>
         <p:txBody>
-          <a:bodyPr/>
-          <a:lstStyle/>
-          <a:p>
+          <a:bodyPr>
+            <a:normAutofit lnSpcReduction="10000"/>
+          </a:bodyPr>
+          <a:lstStyle/>
+          <a:p>
+            <a:pPr>
+              <a:lnSpc>
+                <a:spcPct val="150000"/>
+              </a:lnSpc>
+            </a:pPr>
             <a:r>
               <a:rPr lang="fr-CA" dirty="0" smtClean="0"/>
               <a:t>Permettent d’informatiser les règles d’affaires de l’entreprise. </a:t>
+            </a:r>
+            <a:endParaRPr lang="fr-CA" dirty="0" smtClean="0"/>
+          </a:p>
+          <a:p>
+            <a:pPr lvl="1">
+              <a:lnSpc>
+                <a:spcPct val="150000"/>
+              </a:lnSpc>
+            </a:pPr>
+            <a:r>
+              <a:rPr lang="fr-CA" dirty="0" smtClean="0"/>
+              <a:t>Modélisation des comportements des éléments de l’entreprise</a:t>
+            </a:r>
+          </a:p>
+          <a:p>
+            <a:pPr lvl="1">
+              <a:lnSpc>
+                <a:spcPct val="150000"/>
+              </a:lnSpc>
+            </a:pPr>
+            <a:r>
+              <a:rPr lang="fr-CA" dirty="0" smtClean="0"/>
+              <a:t>Permet d’automatiser la transformation de l’information</a:t>
+            </a:r>
+          </a:p>
+          <a:p>
+            <a:pPr lvl="1">
+              <a:lnSpc>
+                <a:spcPct val="150000"/>
+              </a:lnSpc>
+            </a:pPr>
+            <a:r>
+              <a:rPr lang="fr-CA" dirty="0" smtClean="0"/>
+              <a:t>Facile à gérer (sans lignes de code)</a:t>
             </a:r>
           </a:p>
         </p:txBody>
@@ -5564,7 +5823,22 @@
           <a:bodyPr/>
           <a:lstStyle/>
           <a:p>
-            <a:endParaRPr lang="fr-CA" dirty="0"/>
+            <a:r>
+              <a:rPr lang="fr-CA" dirty="0" smtClean="0"/>
+              <a:t>Rends les technologies de l’information plus agiles</a:t>
+            </a:r>
+          </a:p>
+          <a:p>
+            <a:r>
+              <a:rPr lang="fr-CA" dirty="0" smtClean="0"/>
+              <a:t>Enlève la rigidité imposée sur les processus d’affaire par les logiciels de gestion traditionnels en permettant d’intégrer l’automatisation de nouveaux processus selon les besoins</a:t>
+            </a:r>
+          </a:p>
+          <a:p>
+            <a:r>
+              <a:rPr lang="fr-CA" dirty="0" smtClean="0"/>
+              <a:t>Facilite l’adaptation d’une entreprise à des nouvelles réalités</a:t>
+            </a:r>
           </a:p>
         </p:txBody>
       </p:sp>

--- a/NewtonERP/Documentation/BeeERP_presentation.pptx
+++ b/NewtonERP/Documentation/BeeERP_presentation.pptx
@@ -5,7 +5,7 @@
     <p:sldMasterId id="2147483660" r:id="rId1"/>
   </p:sldMasterIdLst>
   <p:notesMasterIdLst>
-    <p:notesMasterId r:id="rId15"/>
+    <p:notesMasterId r:id="rId16"/>
   </p:notesMasterIdLst>
   <p:sldIdLst>
     <p:sldId id="256" r:id="rId2"/>
@@ -20,7 +20,8 @@
     <p:sldId id="269" r:id="rId11"/>
     <p:sldId id="280" r:id="rId12"/>
     <p:sldId id="279" r:id="rId13"/>
-    <p:sldId id="271" r:id="rId14"/>
+    <p:sldId id="282" r:id="rId14"/>
+    <p:sldId id="271" r:id="rId15"/>
   </p:sldIdLst>
   <p:sldSz cx="9144000" cy="6858000" type="screen4x3"/>
   <p:notesSz cx="6858000" cy="9144000"/>
@@ -4207,13 +4208,7 @@
               <a:rPr lang="fr-CA" dirty="0" smtClean="0">
                 <a:hlinkClick r:id="rId2"/>
               </a:rPr>
-              <a:t>http://127.0.0.1:47098</a:t>
-            </a:r>
-            <a:r>
-              <a:rPr lang="fr-CA" dirty="0" smtClean="0">
-                <a:hlinkClick r:id="rId2"/>
-              </a:rPr>
-              <a:t>/</a:t>
+              <a:t>http://127.0.0.1:47098/</a:t>
             </a:r>
             <a:r>
               <a:rPr lang="fr-CA" dirty="0" smtClean="0"/>
@@ -4285,9 +4280,79 @@
         </p:nvSpPr>
         <p:spPr/>
         <p:txBody>
-          <a:bodyPr/>
-          <a:lstStyle/>
-          <a:p>
+          <a:bodyPr>
+            <a:normAutofit lnSpcReduction="10000"/>
+          </a:bodyPr>
+          <a:lstStyle/>
+          <a:p>
+            <a:r>
+              <a:rPr lang="fr-CA" dirty="0" smtClean="0"/>
+              <a:t>Entité </a:t>
+            </a:r>
+            <a:r>
+              <a:rPr lang="fr-CA" dirty="0" smtClean="0"/>
+              <a:t>d'affaire</a:t>
+            </a:r>
+          </a:p>
+          <a:p>
+            <a:pPr lvl="1"/>
+            <a:r>
+              <a:rPr lang="fr-CA" dirty="0" smtClean="0"/>
+              <a:t>Capsule </a:t>
+            </a:r>
+            <a:r>
+              <a:rPr lang="fr-CA" dirty="0" smtClean="0"/>
+              <a:t>d'information représentant un objet du monde </a:t>
+            </a:r>
+            <a:r>
+              <a:rPr lang="fr-CA" dirty="0" smtClean="0"/>
+              <a:t>réel</a:t>
+            </a:r>
+          </a:p>
+          <a:p>
+            <a:pPr lvl="1"/>
+            <a:r>
+              <a:rPr lang="fr-CA" dirty="0" smtClean="0"/>
+              <a:t>Exemple</a:t>
+            </a:r>
+          </a:p>
+          <a:p>
+            <a:pPr lvl="2"/>
+            <a:r>
+              <a:rPr lang="fr-CA" dirty="0" smtClean="0"/>
+              <a:t>Facture</a:t>
+            </a:r>
+          </a:p>
+          <a:p>
+            <a:pPr lvl="2"/>
+            <a:r>
+              <a:rPr lang="fr-CA" dirty="0" smtClean="0"/>
+              <a:t>Client</a:t>
+            </a:r>
+          </a:p>
+          <a:p>
+            <a:pPr lvl="2"/>
+            <a:r>
+              <a:rPr lang="fr-CA" dirty="0" smtClean="0"/>
+              <a:t>rendez-vous</a:t>
+            </a:r>
+          </a:p>
+          <a:p>
+            <a:r>
+              <a:rPr lang="fr-CA" dirty="0" smtClean="0"/>
+              <a:t>Tâches automatisées et accesseurs: </a:t>
+            </a:r>
+          </a:p>
+          <a:p>
+            <a:pPr lvl="1"/>
+            <a:r>
+              <a:rPr lang="fr-CA" dirty="0" smtClean="0"/>
+              <a:t>connections automatisées </a:t>
+            </a:r>
+            <a:r>
+              <a:rPr lang="fr-CA" dirty="0" smtClean="0"/>
+              <a:t>dans un genre de réseau (accesseurs)</a:t>
+            </a:r>
             <a:endParaRPr lang="fr-CA" dirty="0"/>
           </a:p>
         </p:txBody>
@@ -4420,54 +4485,86 @@
         </p:nvSpPr>
         <p:spPr/>
         <p:txBody>
-          <a:bodyPr/>
+          <a:bodyPr>
+            <a:normAutofit fontScale="92500"/>
+          </a:bodyPr>
           <a:lstStyle/>
           <a:p>
             <a:pPr lvl="1"/>
             <a:r>
               <a:rPr lang="fr-CA" dirty="0" smtClean="0"/>
-              <a:t>Création d'un champ dynamique sur une entité</a:t>
-            </a:r>
-            <a:endParaRPr lang="fr-CA" sz="3600" dirty="0" smtClean="0"/>
+              <a:t>Création </a:t>
+            </a:r>
+            <a:r>
+              <a:rPr lang="fr-CA" dirty="0" smtClean="0"/>
+              <a:t>/ démonstration de </a:t>
+            </a:r>
+            <a:r>
+              <a:rPr lang="fr-CA" dirty="0" smtClean="0"/>
+              <a:t>page </a:t>
+            </a:r>
+            <a:r>
+              <a:rPr lang="fr-CA" dirty="0" smtClean="0"/>
+              <a:t>horaire</a:t>
+            </a:r>
+          </a:p>
+          <a:p>
+            <a:pPr lvl="2"/>
+            <a:r>
+              <a:rPr lang="fr-CA" sz="3000" dirty="0" smtClean="0"/>
+              <a:t>nom: </a:t>
+            </a:r>
+            <a:r>
+              <a:rPr lang="fr-CA" sz="3000" dirty="0" smtClean="0"/>
+              <a:t>voyage</a:t>
+            </a:r>
           </a:p>
           <a:p>
             <a:pPr lvl="1"/>
             <a:r>
-              <a:rPr lang="fr-CA" dirty="0" smtClean="0"/>
-              <a:t>Création dynamique d'un module selon suggestion des auditeurs</a:t>
-            </a:r>
-            <a:endParaRPr lang="fr-CA" sz="3600" dirty="0" smtClean="0"/>
+              <a:rPr lang="fr-CA" sz="3200" dirty="0" smtClean="0"/>
+              <a:t>Création d’un champ dynamique</a:t>
+            </a:r>
           </a:p>
           <a:p>
             <a:pPr lvl="2"/>
             <a:r>
-              <a:rPr lang="fr-CA" dirty="0" smtClean="0"/>
-              <a:t>Module</a:t>
-            </a:r>
-            <a:endParaRPr lang="fr-CA" sz="3200" dirty="0" smtClean="0"/>
+              <a:rPr lang="fr-CA" sz="3000" dirty="0" smtClean="0"/>
+              <a:t>Sur facture: commentaire (champ texte)</a:t>
+            </a:r>
+          </a:p>
+          <a:p>
+            <a:pPr lvl="1"/>
+            <a:r>
+              <a:rPr lang="fr-CA" sz="3200" dirty="0" smtClean="0"/>
+              <a:t>Création de tâche automatisée</a:t>
+            </a:r>
           </a:p>
           <a:p>
             <a:pPr lvl="2"/>
             <a:r>
-              <a:rPr lang="fr-CA" dirty="0" smtClean="0"/>
-              <a:t>Entité</a:t>
-            </a:r>
-            <a:endParaRPr lang="fr-CA" sz="3200" dirty="0" smtClean="0"/>
+              <a:rPr lang="fr-CA" sz="3000" dirty="0" smtClean="0"/>
+              <a:t>(Elles servent </a:t>
+            </a:r>
+            <a:r>
+              <a:rPr lang="fr-CA" sz="3000" dirty="0" smtClean="0"/>
+              <a:t>à manipuler les entités </a:t>
+            </a:r>
+            <a:r>
+              <a:rPr lang="fr-CA" sz="3000" dirty="0" smtClean="0"/>
+              <a:t>d'affaire)</a:t>
+            </a:r>
           </a:p>
           <a:p>
             <a:pPr lvl="2"/>
             <a:r>
-              <a:rPr lang="fr-CA" dirty="0" smtClean="0"/>
-              <a:t>Accesseur</a:t>
-            </a:r>
-            <a:endParaRPr lang="fr-CA" sz="3200" dirty="0" smtClean="0"/>
-          </a:p>
-          <a:p>
-            <a:pPr lvl="2"/>
-            <a:r>
-              <a:rPr lang="fr-CA" dirty="0" err="1" smtClean="0"/>
-              <a:t>Task</a:t>
-            </a:r>
+              <a:rPr lang="fr-CA" sz="3000" dirty="0" smtClean="0"/>
+              <a:t>Création de transaction dans les finances lors de création de facture</a:t>
+            </a:r>
+            <a:endParaRPr lang="fr-CA" sz="3000" dirty="0" smtClean="0"/>
+          </a:p>
+          <a:p>
+            <a:pPr lvl="1"/>
             <a:endParaRPr lang="fr-CA" sz="3200" dirty="0" smtClean="0"/>
           </a:p>
           <a:p>
@@ -4553,6 +4650,150 @@
           <a:bodyPr/>
           <a:lstStyle/>
           <a:p>
+            <a:r>
+              <a:rPr lang="fr-CA" dirty="0" smtClean="0"/>
+              <a:t>Programmation graphique</a:t>
+            </a:r>
+            <a:endParaRPr lang="fr-CA" dirty="0"/>
+          </a:p>
+        </p:txBody>
+      </p:sp>
+      <p:sp>
+        <p:nvSpPr>
+          <p:cNvPr id="3" name="Espace réservé du contenu 2"/>
+          <p:cNvSpPr>
+            <a:spLocks noGrp="1"/>
+          </p:cNvSpPr>
+          <p:nvPr>
+            <p:ph idx="1"/>
+          </p:nvPr>
+        </p:nvSpPr>
+        <p:spPr/>
+        <p:txBody>
+          <a:bodyPr>
+            <a:normAutofit lnSpcReduction="10000"/>
+          </a:bodyPr>
+          <a:lstStyle/>
+          <a:p>
+            <a:r>
+              <a:rPr lang="fr-CA" dirty="0" smtClean="0"/>
+              <a:t>Création de </a:t>
+            </a:r>
+            <a:r>
+              <a:rPr lang="fr-CA" dirty="0" smtClean="0"/>
+              <a:t>module</a:t>
+            </a:r>
+          </a:p>
+          <a:p>
+            <a:pPr lvl="1"/>
+            <a:r>
+              <a:rPr lang="fr-CA" dirty="0" smtClean="0"/>
+              <a:t>Module: </a:t>
+            </a:r>
+            <a:r>
+              <a:rPr lang="fr-CA" dirty="0" smtClean="0"/>
+              <a:t>Livraison</a:t>
+            </a:r>
+          </a:p>
+          <a:p>
+            <a:pPr lvl="1"/>
+            <a:r>
+              <a:rPr lang="fr-CA" dirty="0" smtClean="0"/>
+              <a:t>Entités</a:t>
+            </a:r>
+          </a:p>
+          <a:p>
+            <a:pPr lvl="2"/>
+            <a:r>
+              <a:rPr lang="fr-CA" dirty="0" smtClean="0"/>
+              <a:t>Livreur</a:t>
+            </a:r>
+          </a:p>
+          <a:p>
+            <a:pPr lvl="2"/>
+            <a:r>
+              <a:rPr lang="fr-CA" dirty="0" smtClean="0"/>
+              <a:t>Camion</a:t>
+            </a:r>
+          </a:p>
+          <a:p>
+            <a:pPr lvl="2"/>
+            <a:r>
+              <a:rPr lang="fr-CA" dirty="0" smtClean="0"/>
+              <a:t>Pièce</a:t>
+            </a:r>
+          </a:p>
+          <a:p>
+            <a:pPr lvl="2"/>
+            <a:r>
+              <a:rPr lang="fr-CA" dirty="0" smtClean="0"/>
+              <a:t>Livraison</a:t>
+            </a:r>
+          </a:p>
+          <a:p>
+            <a:pPr lvl="1"/>
+            <a:r>
+              <a:rPr lang="fr-CA" dirty="0" smtClean="0"/>
+              <a:t>Accesseurs</a:t>
+            </a:r>
+          </a:p>
+          <a:p>
+            <a:pPr lvl="2"/>
+            <a:r>
+              <a:rPr lang="fr-CA" dirty="0" smtClean="0"/>
+              <a:t>Livreur -&gt; camion</a:t>
+            </a:r>
+          </a:p>
+          <a:p>
+            <a:pPr lvl="2"/>
+            <a:r>
+              <a:rPr lang="fr-CA" dirty="0" smtClean="0"/>
+              <a:t>Pièces -&gt; livraison</a:t>
+            </a:r>
+            <a:endParaRPr lang="fr-CA" dirty="0"/>
+          </a:p>
+        </p:txBody>
+      </p:sp>
+    </p:spTree>
+  </p:cSld>
+  <p:clrMapOvr>
+    <a:masterClrMapping/>
+  </p:clrMapOvr>
+</p:sld>
+</file>
+
+<file path=ppt/slides/slide14.xml><?xml version="1.0" encoding="utf-8"?>
+<p:sld xmlns:a="http://schemas.openxmlformats.org/drawingml/2006/main" xmlns:r="http://schemas.openxmlformats.org/officeDocument/2006/relationships" xmlns:p="http://schemas.openxmlformats.org/presentationml/2006/main">
+  <p:cSld>
+    <p:spTree>
+      <p:nvGrpSpPr>
+        <p:cNvPr id="1" name=""/>
+        <p:cNvGrpSpPr/>
+        <p:nvPr/>
+      </p:nvGrpSpPr>
+      <p:grpSpPr>
+        <a:xfrm>
+          <a:off x="0" y="0"/>
+          <a:ext cx="0" cy="0"/>
+          <a:chOff x="0" y="0"/>
+          <a:chExt cx="0" cy="0"/>
+        </a:xfrm>
+      </p:grpSpPr>
+      <p:sp>
+        <p:nvSpPr>
+          <p:cNvPr id="2" name="Titre 1"/>
+          <p:cNvSpPr>
+            <a:spLocks noGrp="1"/>
+          </p:cNvSpPr>
+          <p:nvPr>
+            <p:ph type="title"/>
+          </p:nvPr>
+        </p:nvSpPr>
+        <p:spPr/>
+        <p:txBody>
+          <a:bodyPr/>
+          <a:lstStyle/>
+          <a:p>
             <a:endParaRPr lang="fr-CA" dirty="0"/>
           </a:p>
         </p:txBody>
@@ -5019,11 +5260,7 @@
             </a:pPr>
             <a:r>
               <a:rPr lang="fr-CA" sz="2400" dirty="0" smtClean="0"/>
-              <a:t>É</a:t>
-            </a:r>
-            <a:r>
-              <a:rPr lang="fr-CA" sz="2400" dirty="0" smtClean="0"/>
-              <a:t>limine les causes d’erreur</a:t>
+              <a:t>Élimine les causes d’erreur</a:t>
             </a:r>
           </a:p>
           <a:p>
@@ -5185,11 +5422,7 @@
             <a:pPr lvl="0"/>
             <a:r>
               <a:rPr lang="fr-CA" sz="2800" dirty="0" smtClean="0"/>
-              <a:t>Flexibilité de base de </a:t>
-            </a:r>
-            <a:r>
-              <a:rPr lang="fr-CA" sz="2800" dirty="0" smtClean="0"/>
-              <a:t>donnée</a:t>
+              <a:t>Flexibilité de base de donnée</a:t>
             </a:r>
           </a:p>
           <a:p>
@@ -5200,25 +5433,8 @@
             <a:pPr lvl="0"/>
             <a:r>
               <a:rPr lang="fr-CA" sz="2800" dirty="0" smtClean="0"/>
-              <a:t>Système </a:t>
-            </a:r>
-            <a:r>
-              <a:rPr lang="fr-CA" sz="2800" dirty="0" smtClean="0"/>
-              <a:t>de base de </a:t>
-            </a:r>
-            <a:r>
-              <a:rPr lang="fr-CA" sz="2800" dirty="0" smtClean="0"/>
-              <a:t>donnée </a:t>
-            </a:r>
-            <a:r>
-              <a:rPr lang="fr-CA" sz="2800" dirty="0" smtClean="0"/>
-              <a:t>indépendant du </a:t>
-            </a:r>
-            <a:r>
-              <a:rPr lang="fr-CA" sz="2800" dirty="0" smtClean="0"/>
-              <a:t>logiciel et au choix du client</a:t>
-            </a:r>
-            <a:endParaRPr lang="fr-CA" sz="2800" dirty="0" smtClean="0"/>
+              <a:t>Système de base de donnée indépendant du logiciel et au choix du client</a:t>
+            </a:r>
           </a:p>
           <a:p>
             <a:pPr lvl="0"/>
@@ -5228,13 +5444,8 @@
             <a:pPr lvl="0"/>
             <a:r>
               <a:rPr lang="fr-CA" sz="2800" dirty="0" smtClean="0"/>
-              <a:t>Données </a:t>
-            </a:r>
-            <a:r>
-              <a:rPr lang="fr-CA" sz="2800" dirty="0" smtClean="0"/>
-              <a:t>inter-reliées ( Liste de valeurs ) </a:t>
-            </a:r>
-            <a:endParaRPr lang="fr-CA" sz="2800" dirty="0" smtClean="0"/>
+              <a:t>Données inter-reliées ( Liste de valeurs ) </a:t>
+            </a:r>
           </a:p>
           <a:p>
             <a:pPr lvl="0"/>
@@ -5254,7 +5465,6 @@
               <a:rPr lang="fr-CA" sz="2800" dirty="0" smtClean="0"/>
               <a:t>l’enregistrement de données (rapidité de développement)</a:t>
             </a:r>
-            <a:endParaRPr lang="fr-CA" sz="2800" dirty="0" smtClean="0"/>
           </a:p>
         </p:txBody>
       </p:sp>
@@ -5392,7 +5602,6 @@
               <a:rPr lang="fr-CA" dirty="0" smtClean="0"/>
               <a:t>Standardise les interfaces utilisateur</a:t>
             </a:r>
-            <a:endParaRPr lang="fr-CA" dirty="0" smtClean="0"/>
           </a:p>
           <a:p>
             <a:pPr lvl="0">
@@ -5491,15 +5700,7 @@
           <a:p>
             <a:r>
               <a:rPr lang="fr-CA" dirty="0" smtClean="0"/>
-              <a:t>Aspect </a:t>
-            </a:r>
-            <a:r>
-              <a:rPr lang="fr-CA" dirty="0" smtClean="0"/>
-              <a:t>Framework </a:t>
-            </a:r>
-            <a:r>
-              <a:rPr lang="fr-CA" dirty="0" smtClean="0"/>
-              <a:t>de développement de logiciel d'entreprise </a:t>
+              <a:t>Aspect Framework de développement de logiciel d'entreprise </a:t>
             </a:r>
             <a:endParaRPr lang="fr-CA" dirty="0"/>
           </a:p>
@@ -5675,7 +5876,6 @@
               <a:rPr lang="fr-CA" dirty="0" smtClean="0"/>
               <a:t>Permettent d’informatiser les règles d’affaires de l’entreprise. </a:t>
             </a:r>
-            <a:endParaRPr lang="fr-CA" dirty="0" smtClean="0"/>
           </a:p>
           <a:p>
             <a:pPr lvl="1">

--- a/NewtonERP/Documentation/BeeERP_presentation.pptx
+++ b/NewtonERP/Documentation/BeeERP_presentation.pptx
@@ -206,7 +206,7 @@
             <a:fld id="{B11D08F8-5445-462B-9FD3-ACD73402E53B}" type="datetimeFigureOut">
               <a:rPr lang="fr-FR" smtClean="0"/>
               <a:pPr/>
-              <a:t>10/12/2009</a:t>
+              <a:t>15/12/2009</a:t>
             </a:fld>
             <a:endParaRPr lang="fr-CA"/>
           </a:p>
@@ -939,7 +939,7 @@
             <a:fld id="{0E2206DE-E46C-11DE-C687-0017421EB310}" type="datetimeFigureOut">
               <a:rPr lang="fr-FR" smtClean="0"/>
               <a:pPr/>
-              <a:t>10/12/2009</a:t>
+              <a:t>15/12/2009</a:t>
             </a:fld>
             <a:endParaRPr lang="fr-CA"/>
           </a:p>
@@ -1106,7 +1106,7 @@
             <a:fld id="{0E2206DE-E46C-11DE-C687-0017421EB310}" type="datetimeFigureOut">
               <a:rPr lang="fr-FR" smtClean="0"/>
               <a:pPr/>
-              <a:t>10/12/2009</a:t>
+              <a:t>15/12/2009</a:t>
             </a:fld>
             <a:endParaRPr lang="fr-CA"/>
           </a:p>
@@ -1283,7 +1283,7 @@
             <a:fld id="{0E2206DE-E46C-11DE-C687-0017421EB310}" type="datetimeFigureOut">
               <a:rPr lang="fr-FR" smtClean="0"/>
               <a:pPr/>
-              <a:t>10/12/2009</a:t>
+              <a:t>15/12/2009</a:t>
             </a:fld>
             <a:endParaRPr lang="fr-CA"/>
           </a:p>
@@ -1454,7 +1454,7 @@
             <a:fld id="{0E2206DE-E46C-11DE-C687-0017421EB310}" type="datetimeFigureOut">
               <a:rPr lang="fr-FR" smtClean="0"/>
               <a:pPr/>
-              <a:t>10/12/2009</a:t>
+              <a:t>15/12/2009</a:t>
             </a:fld>
             <a:endParaRPr lang="fr-CA"/>
           </a:p>
@@ -1911,7 +1911,7 @@
             <a:fld id="{0E2206DE-E46C-11DE-C687-0017421EB310}" type="datetimeFigureOut">
               <a:rPr lang="fr-FR" smtClean="0"/>
               <a:pPr/>
-              <a:t>10/12/2009</a:t>
+              <a:t>15/12/2009</a:t>
             </a:fld>
             <a:endParaRPr lang="fr-CA"/>
           </a:p>
@@ -2177,7 +2177,7 @@
             <a:fld id="{0E2206DE-E46C-11DE-C687-0017421EB310}" type="datetimeFigureOut">
               <a:rPr lang="fr-FR" smtClean="0"/>
               <a:pPr/>
-              <a:t>10/12/2009</a:t>
+              <a:t>15/12/2009</a:t>
             </a:fld>
             <a:endParaRPr lang="fr-CA"/>
           </a:p>
@@ -2553,7 +2553,7 @@
             <a:fld id="{0E2206DE-E46C-11DE-C687-0017421EB310}" type="datetimeFigureOut">
               <a:rPr lang="fr-FR" smtClean="0"/>
               <a:pPr/>
-              <a:t>10/12/2009</a:t>
+              <a:t>15/12/2009</a:t>
             </a:fld>
             <a:endParaRPr lang="fr-CA"/>
           </a:p>
@@ -2677,7 +2677,7 @@
             <a:fld id="{0E2206DE-E46C-11DE-C687-0017421EB310}" type="datetimeFigureOut">
               <a:rPr lang="fr-FR" smtClean="0"/>
               <a:pPr/>
-              <a:t>10/12/2009</a:t>
+              <a:t>15/12/2009</a:t>
             </a:fld>
             <a:endParaRPr lang="fr-CA"/>
           </a:p>
@@ -2769,7 +2769,7 @@
             <a:fld id="{0E2206DE-E46C-11DE-C687-0017421EB310}" type="datetimeFigureOut">
               <a:rPr lang="fr-FR" smtClean="0"/>
               <a:pPr/>
-              <a:t>10/12/2009</a:t>
+              <a:t>15/12/2009</a:t>
             </a:fld>
             <a:endParaRPr lang="fr-CA"/>
           </a:p>
@@ -3020,7 +3020,7 @@
             <a:fld id="{0E2206DE-E46C-11DE-C687-0017421EB310}" type="datetimeFigureOut">
               <a:rPr lang="fr-FR" smtClean="0"/>
               <a:pPr/>
-              <a:t>10/12/2009</a:t>
+              <a:t>15/12/2009</a:t>
             </a:fld>
             <a:endParaRPr lang="fr-CA"/>
           </a:p>
@@ -3281,7 +3281,7 @@
             <a:fld id="{0E2206DE-E46C-11DE-C687-0017421EB310}" type="datetimeFigureOut">
               <a:rPr lang="fr-FR" smtClean="0"/>
               <a:pPr/>
-              <a:t>10/12/2009</a:t>
+              <a:t>15/12/2009</a:t>
             </a:fld>
             <a:endParaRPr lang="fr-CA"/>
           </a:p>
@@ -3687,7 +3687,7 @@
             <a:fld id="{0E2206DE-E46C-11DE-C687-0017421EB310}" type="datetimeFigureOut">
               <a:rPr lang="fr-FR" smtClean="0"/>
               <a:pPr/>
-              <a:t>10/12/2009</a:t>
+              <a:t>15/12/2009</a:t>
             </a:fld>
             <a:endParaRPr lang="fr-CA"/>
           </a:p>
@@ -4134,6 +4134,13 @@
   <p:clrMapOvr>
     <a:masterClrMapping/>
   </p:clrMapOvr>
+  <p:timing>
+    <p:tnLst>
+      <p:par>
+        <p:cTn id="1" dur="indefinite" restart="never" nodeType="tmRoot"/>
+      </p:par>
+    </p:tnLst>
+  </p:timing>
 </p:sld>
 </file>
 
@@ -4223,6 +4230,13 @@
   <p:clrMapOvr>
     <a:masterClrMapping/>
   </p:clrMapOvr>
+  <p:timing>
+    <p:tnLst>
+      <p:par>
+        <p:cTn id="1" dur="indefinite" restart="never" nodeType="tmRoot"/>
+      </p:par>
+    </p:tnLst>
+  </p:timing>
 </p:sld>
 </file>
 
@@ -4287,26 +4301,14 @@
           <a:p>
             <a:r>
               <a:rPr lang="fr-CA" dirty="0" smtClean="0"/>
-              <a:t>Entité </a:t>
-            </a:r>
+              <a:t>Entité d'affaire</a:t>
+            </a:r>
+          </a:p>
+          <a:p>
+            <a:pPr lvl="1"/>
             <a:r>
               <a:rPr lang="fr-CA" dirty="0" smtClean="0"/>
-              <a:t>d'affaire</a:t>
-            </a:r>
-          </a:p>
-          <a:p>
-            <a:pPr lvl="1"/>
-            <a:r>
-              <a:rPr lang="fr-CA" dirty="0" smtClean="0"/>
-              <a:t>Capsule </a:t>
-            </a:r>
-            <a:r>
-              <a:rPr lang="fr-CA" dirty="0" smtClean="0"/>
-              <a:t>d'information représentant un objet du monde </a:t>
-            </a:r>
-            <a:r>
-              <a:rPr lang="fr-CA" dirty="0" smtClean="0"/>
-              <a:t>réel</a:t>
+              <a:t>Capsule d'information représentant un objet du monde réel</a:t>
             </a:r>
           </a:p>
           <a:p>
@@ -4347,74 +4349,9 @@
             <a:pPr lvl="1"/>
             <a:r>
               <a:rPr lang="fr-CA" dirty="0" smtClean="0"/>
-              <a:t>connections automatisées </a:t>
-            </a:r>
-            <a:r>
-              <a:rPr lang="fr-CA" dirty="0" smtClean="0"/>
-              <a:t>dans un genre de réseau (accesseurs)</a:t>
+              <a:t>connections automatisées dans un genre de réseau (accesseurs)</a:t>
             </a:r>
             <a:endParaRPr lang="fr-CA" dirty="0"/>
-          </a:p>
-        </p:txBody>
-      </p:sp>
-      <p:sp>
-        <p:nvSpPr>
-          <p:cNvPr id="4" name="ZoneTexte 3"/>
-          <p:cNvSpPr txBox="1"/>
-          <p:nvPr/>
-        </p:nvSpPr>
-        <p:spPr>
-          <a:xfrm>
-            <a:off x="5500694" y="428604"/>
-            <a:ext cx="3429024" cy="1200329"/>
-          </a:xfrm>
-          <a:prstGeom prst="rect">
-            <a:avLst/>
-          </a:prstGeom>
-          <a:noFill/>
-        </p:spPr>
-        <p:txBody>
-          <a:bodyPr wrap="square" rtlCol="0">
-            <a:spAutoFit/>
-          </a:bodyPr>
-          <a:lstStyle/>
-          <a:p>
-            <a:r>
-              <a:rPr lang="fr-CA" sz="4000" dirty="0" smtClean="0">
-                <a:solidFill>
-                  <a:srgbClr val="FF0000"/>
-                </a:solidFill>
-              </a:rPr>
-              <a:t>Pascal</a:t>
-            </a:r>
-            <a:r>
-              <a:rPr lang="fr-CA" dirty="0" smtClean="0">
-                <a:solidFill>
-                  <a:srgbClr val="FF0000"/>
-                </a:solidFill>
-              </a:rPr>
-              <a:t> </a:t>
-            </a:r>
-            <a:br>
-              <a:rPr lang="fr-CA" dirty="0" smtClean="0">
-                <a:solidFill>
-                  <a:srgbClr val="FF0000"/>
-                </a:solidFill>
-              </a:rPr>
-            </a:br>
-            <a:r>
-              <a:rPr lang="fr-CA" sz="3200" dirty="0" smtClean="0">
-                <a:solidFill>
-                  <a:srgbClr val="FF0000"/>
-                </a:solidFill>
-              </a:rPr>
-              <a:t>(clic Guillaume)</a:t>
-            </a:r>
-            <a:endParaRPr lang="fr-CA" sz="3200" dirty="0">
-              <a:solidFill>
-                <a:srgbClr val="FF0000"/>
-              </a:solidFill>
-            </a:endParaRPr>
           </a:p>
         </p:txBody>
       </p:sp>
@@ -4423,6 +4360,13 @@
   <p:clrMapOvr>
     <a:masterClrMapping/>
   </p:clrMapOvr>
+  <p:timing>
+    <p:tnLst>
+      <p:par>
+        <p:cTn id="1" dur="indefinite" restart="never" nodeType="tmRoot"/>
+      </p:par>
+    </p:tnLst>
+  </p:timing>
 </p:sld>
 </file>
 
@@ -4493,30 +4437,14 @@
             <a:pPr lvl="1"/>
             <a:r>
               <a:rPr lang="fr-CA" dirty="0" smtClean="0"/>
-              <a:t>Création </a:t>
-            </a:r>
-            <a:r>
-              <a:rPr lang="fr-CA" dirty="0" smtClean="0"/>
-              <a:t>/ démonstration de </a:t>
-            </a:r>
-            <a:r>
-              <a:rPr lang="fr-CA" dirty="0" smtClean="0"/>
-              <a:t>page </a:t>
-            </a:r>
-            <a:r>
-              <a:rPr lang="fr-CA" dirty="0" smtClean="0"/>
-              <a:t>horaire</a:t>
+              <a:t>Création / démonstration de page horaire</a:t>
             </a:r>
           </a:p>
           <a:p>
             <a:pPr lvl="2"/>
             <a:r>
               <a:rPr lang="fr-CA" sz="3000" dirty="0" smtClean="0"/>
-              <a:t>nom: </a:t>
-            </a:r>
-            <a:r>
-              <a:rPr lang="fr-CA" sz="3000" dirty="0" smtClean="0"/>
-              <a:t>voyage</a:t>
+              <a:t>nom: voyage</a:t>
             </a:r>
           </a:p>
           <a:p>
@@ -4544,15 +4472,7 @@
             <a:pPr lvl="2"/>
             <a:r>
               <a:rPr lang="fr-CA" sz="3000" dirty="0" smtClean="0"/>
-              <a:t>(Elles servent </a:t>
-            </a:r>
-            <a:r>
-              <a:rPr lang="fr-CA" sz="3000" dirty="0" smtClean="0"/>
-              <a:t>à manipuler les entités </a:t>
-            </a:r>
-            <a:r>
-              <a:rPr lang="fr-CA" sz="3000" dirty="0" smtClean="0"/>
-              <a:t>d'affaire)</a:t>
+              <a:t>(Elles servent à manipuler les entités d'affaire)</a:t>
             </a:r>
           </a:p>
           <a:p>
@@ -4561,7 +4481,6 @@
               <a:rPr lang="fr-CA" sz="3000" dirty="0" smtClean="0"/>
               <a:t>Création de transaction dans les finances lors de création de facture</a:t>
             </a:r>
-            <a:endParaRPr lang="fr-CA" sz="3000" dirty="0" smtClean="0"/>
           </a:p>
           <a:p>
             <a:pPr lvl="1"/>
@@ -4569,44 +4488,6 @@
           </a:p>
           <a:p>
             <a:endParaRPr lang="fr-CA" dirty="0"/>
-          </a:p>
-        </p:txBody>
-      </p:sp>
-      <p:sp>
-        <p:nvSpPr>
-          <p:cNvPr id="4" name="ZoneTexte 3"/>
-          <p:cNvSpPr txBox="1"/>
-          <p:nvPr/>
-        </p:nvSpPr>
-        <p:spPr>
-          <a:xfrm>
-            <a:off x="6572264" y="285728"/>
-            <a:ext cx="2143140" cy="584775"/>
-          </a:xfrm>
-          <a:prstGeom prst="rect">
-            <a:avLst/>
-          </a:prstGeom>
-          <a:noFill/>
-        </p:spPr>
-        <p:txBody>
-          <a:bodyPr wrap="square" rtlCol="0">
-            <a:spAutoFit/>
-          </a:bodyPr>
-          <a:lstStyle/>
-          <a:p>
-            <a:r>
-              <a:rPr lang="fr-CA" sz="3200" dirty="0" smtClean="0">
-                <a:solidFill>
-                  <a:srgbClr val="FF0000"/>
-                </a:solidFill>
-              </a:rPr>
-              <a:t>Guillaume</a:t>
-            </a:r>
-            <a:endParaRPr lang="fr-CA" dirty="0">
-              <a:solidFill>
-                <a:srgbClr val="FF0000"/>
-              </a:solidFill>
-            </a:endParaRPr>
           </a:p>
         </p:txBody>
       </p:sp>
@@ -4677,22 +4558,14 @@
           <a:p>
             <a:r>
               <a:rPr lang="fr-CA" dirty="0" smtClean="0"/>
-              <a:t>Création de </a:t>
-            </a:r>
+              <a:t>Création de module</a:t>
+            </a:r>
+          </a:p>
+          <a:p>
+            <a:pPr lvl="1"/>
             <a:r>
               <a:rPr lang="fr-CA" dirty="0" smtClean="0"/>
-              <a:t>module</a:t>
-            </a:r>
-          </a:p>
-          <a:p>
-            <a:pPr lvl="1"/>
-            <a:r>
-              <a:rPr lang="fr-CA" dirty="0" smtClean="0"/>
-              <a:t>Module: </a:t>
-            </a:r>
-            <a:r>
-              <a:rPr lang="fr-CA" dirty="0" smtClean="0"/>
-              <a:t>Livraison</a:t>
+              <a:t>Module: Livraison</a:t>
             </a:r>
           </a:p>
           <a:p>
@@ -4960,49 +4833,18 @@
           </a:p>
         </p:txBody>
       </p:sp>
-      <p:sp>
-        <p:nvSpPr>
-          <p:cNvPr id="6" name="ZoneTexte 5"/>
-          <p:cNvSpPr txBox="1"/>
-          <p:nvPr/>
-        </p:nvSpPr>
-        <p:spPr>
-          <a:xfrm>
-            <a:off x="5857884" y="571480"/>
-            <a:ext cx="2000264" cy="646331"/>
-          </a:xfrm>
-          <a:prstGeom prst="rect">
-            <a:avLst/>
-          </a:prstGeom>
-          <a:noFill/>
-        </p:spPr>
-        <p:txBody>
-          <a:bodyPr wrap="square" rtlCol="0">
-            <a:spAutoFit/>
-          </a:bodyPr>
-          <a:lstStyle/>
-          <a:p>
-            <a:r>
-              <a:rPr lang="fr-CA" sz="3600" dirty="0" smtClean="0">
-                <a:solidFill>
-                  <a:srgbClr val="FF0000"/>
-                </a:solidFill>
-              </a:rPr>
-              <a:t>Gabriel</a:t>
-            </a:r>
-            <a:endParaRPr lang="fr-CA" sz="3600" dirty="0">
-              <a:solidFill>
-                <a:srgbClr val="FF0000"/>
-              </a:solidFill>
-            </a:endParaRPr>
-          </a:p>
-        </p:txBody>
-      </p:sp>
     </p:spTree>
   </p:cSld>
   <p:clrMapOvr>
     <a:masterClrMapping/>
   </p:clrMapOvr>
+  <p:timing>
+    <p:tnLst>
+      <p:par>
+        <p:cTn id="1" dur="indefinite" restart="never" nodeType="tmRoot"/>
+      </p:par>
+    </p:tnLst>
+  </p:timing>
 </p:sld>
 </file>
 
@@ -5125,49 +4967,18 @@
           </a:p>
         </p:txBody>
       </p:sp>
-      <p:sp>
-        <p:nvSpPr>
-          <p:cNvPr id="4" name="ZoneTexte 3"/>
-          <p:cNvSpPr txBox="1"/>
-          <p:nvPr/>
-        </p:nvSpPr>
-        <p:spPr>
-          <a:xfrm>
-            <a:off x="5429256" y="571480"/>
-            <a:ext cx="1857388" cy="646331"/>
-          </a:xfrm>
-          <a:prstGeom prst="rect">
-            <a:avLst/>
-          </a:prstGeom>
-          <a:noFill/>
-        </p:spPr>
-        <p:txBody>
-          <a:bodyPr wrap="square" rtlCol="0">
-            <a:spAutoFit/>
-          </a:bodyPr>
-          <a:lstStyle/>
-          <a:p>
-            <a:r>
-              <a:rPr lang="fr-CA" sz="3600" dirty="0" smtClean="0">
-                <a:solidFill>
-                  <a:srgbClr val="FF0000"/>
-                </a:solidFill>
-              </a:rPr>
-              <a:t>Gabriel</a:t>
-            </a:r>
-            <a:endParaRPr lang="fr-CA" sz="3600" dirty="0">
-              <a:solidFill>
-                <a:srgbClr val="FF0000"/>
-              </a:solidFill>
-            </a:endParaRPr>
-          </a:p>
-        </p:txBody>
-      </p:sp>
     </p:spTree>
   </p:cSld>
   <p:clrMapOvr>
     <a:masterClrMapping/>
   </p:clrMapOvr>
+  <p:timing>
+    <p:tnLst>
+      <p:par>
+        <p:cTn id="1" dur="indefinite" restart="never" nodeType="tmRoot"/>
+      </p:par>
+    </p:tnLst>
+  </p:timing>
 </p:sld>
 </file>
 
@@ -5309,49 +5120,18 @@
           </a:p>
         </p:txBody>
       </p:sp>
-      <p:sp>
-        <p:nvSpPr>
-          <p:cNvPr id="4" name="ZoneTexte 3"/>
-          <p:cNvSpPr txBox="1"/>
-          <p:nvPr/>
-        </p:nvSpPr>
-        <p:spPr>
-          <a:xfrm>
-            <a:off x="5643570" y="785794"/>
-            <a:ext cx="1714512" cy="646331"/>
-          </a:xfrm>
-          <a:prstGeom prst="rect">
-            <a:avLst/>
-          </a:prstGeom>
-          <a:noFill/>
-        </p:spPr>
-        <p:txBody>
-          <a:bodyPr wrap="square" rtlCol="0">
-            <a:spAutoFit/>
-          </a:bodyPr>
-          <a:lstStyle/>
-          <a:p>
-            <a:r>
-              <a:rPr lang="fr-CA" sz="3600" dirty="0" smtClean="0">
-                <a:solidFill>
-                  <a:srgbClr val="FF0000"/>
-                </a:solidFill>
-              </a:rPr>
-              <a:t>Gabriel</a:t>
-            </a:r>
-            <a:endParaRPr lang="fr-CA" sz="3600" dirty="0">
-              <a:solidFill>
-                <a:srgbClr val="FF0000"/>
-              </a:solidFill>
-            </a:endParaRPr>
-          </a:p>
-        </p:txBody>
-      </p:sp>
     </p:spTree>
   </p:cSld>
   <p:clrMapOvr>
     <a:masterClrMapping/>
   </p:clrMapOvr>
+  <p:timing>
+    <p:tnLst>
+      <p:par>
+        <p:cTn id="1" dur="indefinite" restart="never" nodeType="tmRoot"/>
+      </p:par>
+    </p:tnLst>
+  </p:timing>
 </p:sld>
 </file>
 
@@ -5455,54 +5235,8 @@
             <a:pPr lvl="0"/>
             <a:r>
               <a:rPr lang="fr-CA" sz="2800" dirty="0" smtClean="0"/>
-              <a:t>Abstraction de la base </a:t>
-            </a:r>
-            <a:r>
-              <a:rPr lang="fr-CA" sz="2800" smtClean="0"/>
-              <a:t>de donnée pour </a:t>
-            </a:r>
-            <a:r>
-              <a:rPr lang="fr-CA" sz="2800" dirty="0" smtClean="0"/>
-              <a:t>l’enregistrement de données (rapidité de développement)</a:t>
-            </a:r>
-          </a:p>
-        </p:txBody>
-      </p:sp>
-      <p:sp>
-        <p:nvSpPr>
-          <p:cNvPr id="4" name="ZoneTexte 3"/>
-          <p:cNvSpPr txBox="1"/>
-          <p:nvPr/>
-        </p:nvSpPr>
-        <p:spPr>
-          <a:xfrm>
-            <a:off x="5429256" y="571480"/>
-            <a:ext cx="1857388" cy="646331"/>
-          </a:xfrm>
-          <a:prstGeom prst="rect">
-            <a:avLst/>
-          </a:prstGeom>
-          <a:noFill/>
-        </p:spPr>
-        <p:txBody>
-          <a:bodyPr wrap="square" rtlCol="0">
-            <a:spAutoFit/>
-          </a:bodyPr>
-          <a:lstStyle/>
-          <a:p>
-            <a:r>
-              <a:rPr lang="fr-CA" sz="3600" dirty="0" smtClean="0">
-                <a:solidFill>
-                  <a:srgbClr val="FF0000"/>
-                </a:solidFill>
-              </a:rPr>
-              <a:t>Kovalev</a:t>
-            </a:r>
-            <a:endParaRPr lang="fr-CA" sz="3600" dirty="0">
-              <a:solidFill>
-                <a:srgbClr val="FF0000"/>
-              </a:solidFill>
-            </a:endParaRPr>
+              <a:t>Abstraction de la base de donnée pour l’enregistrement de données (rapidité de développement)</a:t>
+            </a:r>
           </a:p>
         </p:txBody>
       </p:sp>
@@ -5511,6 +5245,13 @@
   <p:clrMapOvr>
     <a:masterClrMapping/>
   </p:clrMapOvr>
+  <p:timing>
+    <p:tnLst>
+      <p:par>
+        <p:cTn id="1" dur="indefinite" restart="never" nodeType="tmRoot"/>
+      </p:par>
+    </p:tnLst>
+  </p:timing>
 </p:sld>
 </file>
 
@@ -5613,49 +5354,18 @@
           </a:p>
         </p:txBody>
       </p:sp>
-      <p:sp>
-        <p:nvSpPr>
-          <p:cNvPr id="4" name="ZoneTexte 3"/>
-          <p:cNvSpPr txBox="1"/>
-          <p:nvPr/>
-        </p:nvSpPr>
-        <p:spPr>
-          <a:xfrm>
-            <a:off x="5572132" y="571480"/>
-            <a:ext cx="1714512" cy="584775"/>
-          </a:xfrm>
-          <a:prstGeom prst="rect">
-            <a:avLst/>
-          </a:prstGeom>
-          <a:noFill/>
-        </p:spPr>
-        <p:txBody>
-          <a:bodyPr wrap="square" rtlCol="0">
-            <a:spAutoFit/>
-          </a:bodyPr>
-          <a:lstStyle/>
-          <a:p>
-            <a:r>
-              <a:rPr lang="fr-CA" sz="3200" dirty="0" smtClean="0">
-                <a:solidFill>
-                  <a:srgbClr val="FF0000"/>
-                </a:solidFill>
-              </a:rPr>
-              <a:t>Jonatan</a:t>
-            </a:r>
-            <a:endParaRPr lang="fr-CA" dirty="0">
-              <a:solidFill>
-                <a:srgbClr val="FF0000"/>
-              </a:solidFill>
-            </a:endParaRPr>
-          </a:p>
-        </p:txBody>
-      </p:sp>
     </p:spTree>
   </p:cSld>
   <p:clrMapOvr>
     <a:masterClrMapping/>
   </p:clrMapOvr>
+  <p:timing>
+    <p:tnLst>
+      <p:par>
+        <p:cTn id="1" dur="indefinite" restart="never" nodeType="tmRoot"/>
+      </p:par>
+    </p:tnLst>
+  </p:timing>
 </p:sld>
 </file>
 
@@ -5745,49 +5455,18 @@
           </a:p>
         </p:txBody>
       </p:sp>
-      <p:sp>
-        <p:nvSpPr>
-          <p:cNvPr id="4" name="ZoneTexte 3"/>
-          <p:cNvSpPr txBox="1"/>
-          <p:nvPr/>
-        </p:nvSpPr>
-        <p:spPr>
-          <a:xfrm>
-            <a:off x="7143768" y="1000108"/>
-            <a:ext cx="1643074" cy="584775"/>
-          </a:xfrm>
-          <a:prstGeom prst="rect">
-            <a:avLst/>
-          </a:prstGeom>
-          <a:noFill/>
-        </p:spPr>
-        <p:txBody>
-          <a:bodyPr wrap="square" rtlCol="0">
-            <a:spAutoFit/>
-          </a:bodyPr>
-          <a:lstStyle/>
-          <a:p>
-            <a:r>
-              <a:rPr lang="fr-CA" sz="3200" dirty="0" smtClean="0">
-                <a:solidFill>
-                  <a:srgbClr val="FF0000"/>
-                </a:solidFill>
-              </a:rPr>
-              <a:t>Jonatan</a:t>
-            </a:r>
-            <a:endParaRPr lang="fr-CA" dirty="0">
-              <a:solidFill>
-                <a:srgbClr val="FF0000"/>
-              </a:solidFill>
-            </a:endParaRPr>
-          </a:p>
-        </p:txBody>
-      </p:sp>
     </p:spTree>
   </p:cSld>
   <p:clrMapOvr>
     <a:masterClrMapping/>
   </p:clrMapOvr>
+  <p:timing>
+    <p:tnLst>
+      <p:par>
+        <p:cTn id="1" dur="indefinite" restart="never" nodeType="tmRoot"/>
+      </p:par>
+    </p:tnLst>
+  </p:timing>
 </p:sld>
 </file>
 
@@ -5912,49 +5591,18 @@
           </a:p>
         </p:txBody>
       </p:sp>
-      <p:sp>
-        <p:nvSpPr>
-          <p:cNvPr id="4" name="ZoneTexte 3"/>
-          <p:cNvSpPr txBox="1"/>
-          <p:nvPr/>
-        </p:nvSpPr>
-        <p:spPr>
-          <a:xfrm>
-            <a:off x="5786446" y="357166"/>
-            <a:ext cx="2214578" cy="584775"/>
-          </a:xfrm>
-          <a:prstGeom prst="rect">
-            <a:avLst/>
-          </a:prstGeom>
-          <a:noFill/>
-        </p:spPr>
-        <p:txBody>
-          <a:bodyPr wrap="square" rtlCol="0">
-            <a:spAutoFit/>
-          </a:bodyPr>
-          <a:lstStyle/>
-          <a:p>
-            <a:r>
-              <a:rPr lang="fr-CA" sz="3200" dirty="0" smtClean="0">
-                <a:solidFill>
-                  <a:srgbClr val="FF0000"/>
-                </a:solidFill>
-              </a:rPr>
-              <a:t>Guillaume</a:t>
-            </a:r>
-            <a:endParaRPr lang="fr-CA" dirty="0">
-              <a:solidFill>
-                <a:srgbClr val="FF0000"/>
-              </a:solidFill>
-            </a:endParaRPr>
-          </a:p>
-        </p:txBody>
-      </p:sp>
     </p:spTree>
   </p:cSld>
   <p:clrMapOvr>
     <a:masterClrMapping/>
   </p:clrMapOvr>
+  <p:timing>
+    <p:tnLst>
+      <p:par>
+        <p:cTn id="1" dur="indefinite" restart="never" nodeType="tmRoot"/>
+      </p:par>
+    </p:tnLst>
+  </p:timing>
 </p:sld>
 </file>
 
@@ -6042,49 +5690,18 @@
           </a:p>
         </p:txBody>
       </p:sp>
-      <p:sp>
-        <p:nvSpPr>
-          <p:cNvPr id="4" name="ZoneTexte 3"/>
-          <p:cNvSpPr txBox="1"/>
-          <p:nvPr/>
-        </p:nvSpPr>
-        <p:spPr>
-          <a:xfrm>
-            <a:off x="6572264" y="357166"/>
-            <a:ext cx="2143140" cy="584775"/>
-          </a:xfrm>
-          <a:prstGeom prst="rect">
-            <a:avLst/>
-          </a:prstGeom>
-          <a:noFill/>
-        </p:spPr>
-        <p:txBody>
-          <a:bodyPr wrap="square" rtlCol="0">
-            <a:spAutoFit/>
-          </a:bodyPr>
-          <a:lstStyle/>
-          <a:p>
-            <a:r>
-              <a:rPr lang="fr-CA" sz="3200" dirty="0" smtClean="0">
-                <a:solidFill>
-                  <a:srgbClr val="FF0000"/>
-                </a:solidFill>
-              </a:rPr>
-              <a:t>Guillaume</a:t>
-            </a:r>
-            <a:endParaRPr lang="fr-CA" dirty="0">
-              <a:solidFill>
-                <a:srgbClr val="FF0000"/>
-              </a:solidFill>
-            </a:endParaRPr>
-          </a:p>
-        </p:txBody>
-      </p:sp>
     </p:spTree>
   </p:cSld>
   <p:clrMapOvr>
     <a:masterClrMapping/>
   </p:clrMapOvr>
+  <p:timing>
+    <p:tnLst>
+      <p:par>
+        <p:cTn id="1" dur="indefinite" restart="never" nodeType="tmRoot"/>
+      </p:par>
+    </p:tnLst>
+  </p:timing>
 </p:sld>
 </file>
 

--- a/NewtonERP/Documentation/BeeERP_presentation.pptx
+++ b/NewtonERP/Documentation/BeeERP_presentation.pptx
@@ -4215,10 +4215,58 @@
               <a:rPr lang="fr-CA" dirty="0" smtClean="0">
                 <a:hlinkClick r:id="rId2"/>
               </a:rPr>
-              <a:t>http://127.0.0.1:47098/</a:t>
+              <a:t>http://</a:t>
+            </a:r>
+            <a:r>
+              <a:rPr lang="fr-CA" dirty="0" smtClean="0">
+                <a:hlinkClick r:id="rId2"/>
+              </a:rPr>
+              <a:t>10.57.170.41:47098/</a:t>
             </a:r>
             <a:r>
               <a:rPr lang="fr-CA" dirty="0" smtClean="0"/>
+              <a:t> </a:t>
+            </a:r>
+          </a:p>
+          <a:p>
+            <a:pPr algn="ctr">
+              <a:buNone/>
+            </a:pPr>
+            <a:r>
+              <a:rPr lang="fr-CA" dirty="0" smtClean="0">
+                <a:hlinkClick r:id="rId3"/>
+              </a:rPr>
+              <a:t>http://</a:t>
+            </a:r>
+            <a:r>
+              <a:rPr lang="fr-CA" dirty="0" smtClean="0">
+                <a:hlinkClick r:id="rId3"/>
+              </a:rPr>
+              <a:t>10.57.170.31:47098/</a:t>
+            </a:r>
+            <a:r>
+              <a:rPr lang="fr-CA" dirty="0" smtClean="0"/>
+              <a:t> </a:t>
+            </a:r>
+          </a:p>
+          <a:p>
+            <a:pPr algn="ctr">
+              <a:buNone/>
+            </a:pPr>
+            <a:r>
+              <a:rPr lang="fr-CA" dirty="0" smtClean="0">
+                <a:hlinkClick r:id="rId4"/>
+              </a:rPr>
+              <a:t>http://</a:t>
+            </a:r>
+            <a:r>
+              <a:rPr lang="fr-CA" smtClean="0">
+                <a:hlinkClick r:id="rId4"/>
+              </a:rPr>
+              <a:t>10.57.70.48:47098/</a:t>
+            </a:r>
+            <a:r>
+              <a:rPr lang="fr-CA" smtClean="0"/>
               <a:t> </a:t>
             </a:r>
             <a:endParaRPr lang="fr-CA" dirty="0"/>
@@ -4496,6 +4544,13 @@
   <p:clrMapOvr>
     <a:masterClrMapping/>
   </p:clrMapOvr>
+  <p:timing>
+    <p:tnLst>
+      <p:par>
+        <p:cTn id="1" dur="indefinite" restart="never" nodeType="tmRoot"/>
+      </p:par>
+    </p:tnLst>
+  </p:timing>
 </p:sld>
 </file>
 
@@ -4632,6 +4687,13 @@
   <p:clrMapOvr>
     <a:masterClrMapping/>
   </p:clrMapOvr>
+  <p:timing>
+    <p:tnLst>
+      <p:par>
+        <p:cTn id="1" dur="indefinite" restart="never" nodeType="tmRoot"/>
+      </p:par>
+    </p:tnLst>
+  </p:timing>
 </p:sld>
 </file>
 
